--- a/Day 19/OOP.pptx
+++ b/Day 19/OOP.pptx
@@ -5,7 +5,7 @@
     <p:sldMasterId id="2147483648" r:id="rId1"/>
   </p:sldMasterIdLst>
   <p:notesMasterIdLst>
-    <p:notesMasterId r:id="rId21"/>
+    <p:notesMasterId r:id="rId29"/>
   </p:notesMasterIdLst>
   <p:sldIdLst>
     <p:sldId id="256" r:id="rId2"/>
@@ -26,7 +26,15 @@
     <p:sldId id="288" r:id="rId17"/>
     <p:sldId id="289" r:id="rId18"/>
     <p:sldId id="290" r:id="rId19"/>
-    <p:sldId id="270" r:id="rId20"/>
+    <p:sldId id="291" r:id="rId20"/>
+    <p:sldId id="292" r:id="rId21"/>
+    <p:sldId id="293" r:id="rId22"/>
+    <p:sldId id="294" r:id="rId23"/>
+    <p:sldId id="295" r:id="rId24"/>
+    <p:sldId id="297" r:id="rId25"/>
+    <p:sldId id="296" r:id="rId26"/>
+    <p:sldId id="298" r:id="rId27"/>
+    <p:sldId id="270" r:id="rId28"/>
   </p:sldIdLst>
   <p:sldSz cx="12312650" cy="7200900"/>
   <p:notesSz cx="9144000" cy="6858000"/>
@@ -210,7 +218,7 @@
           <a:p>
             <a:fld id="{18B62E29-65CE-451C-92BE-C7550949F0D8}" type="datetimeFigureOut">
               <a:rPr lang="en-IN" smtClean="0"/>
-              <a:t>04-08-2025</a:t>
+              <a:t>06-08-2025</a:t>
             </a:fld>
             <a:endParaRPr lang="en-IN"/>
           </a:p>
@@ -743,7 +751,7 @@
           <a:p>
             <a:fld id="{ABEA69EC-D54A-4D2B-93D8-80E4662DD78C}" type="datetimeFigureOut">
               <a:rPr lang="en-IN" smtClean="0"/>
-              <a:t>04-08-2025</a:t>
+              <a:t>06-08-2025</a:t>
             </a:fld>
             <a:endParaRPr lang="en-IN"/>
           </a:p>
@@ -913,7 +921,7 @@
           <a:p>
             <a:fld id="{ABEA69EC-D54A-4D2B-93D8-80E4662DD78C}" type="datetimeFigureOut">
               <a:rPr lang="en-IN" smtClean="0"/>
-              <a:t>04-08-2025</a:t>
+              <a:t>06-08-2025</a:t>
             </a:fld>
             <a:endParaRPr lang="en-IN"/>
           </a:p>
@@ -1093,7 +1101,7 @@
           <a:p>
             <a:fld id="{ABEA69EC-D54A-4D2B-93D8-80E4662DD78C}" type="datetimeFigureOut">
               <a:rPr lang="en-IN" smtClean="0"/>
-              <a:t>04-08-2025</a:t>
+              <a:t>06-08-2025</a:t>
             </a:fld>
             <a:endParaRPr lang="en-IN"/>
           </a:p>
@@ -1263,7 +1271,7 @@
           <a:p>
             <a:fld id="{ABEA69EC-D54A-4D2B-93D8-80E4662DD78C}" type="datetimeFigureOut">
               <a:rPr lang="en-IN" smtClean="0"/>
-              <a:t>04-08-2025</a:t>
+              <a:t>06-08-2025</a:t>
             </a:fld>
             <a:endParaRPr lang="en-IN"/>
           </a:p>
@@ -1509,7 +1517,7 @@
           <a:p>
             <a:fld id="{ABEA69EC-D54A-4D2B-93D8-80E4662DD78C}" type="datetimeFigureOut">
               <a:rPr lang="en-IN" smtClean="0"/>
-              <a:t>04-08-2025</a:t>
+              <a:t>06-08-2025</a:t>
             </a:fld>
             <a:endParaRPr lang="en-IN"/>
           </a:p>
@@ -1797,7 +1805,7 @@
           <a:p>
             <a:fld id="{ABEA69EC-D54A-4D2B-93D8-80E4662DD78C}" type="datetimeFigureOut">
               <a:rPr lang="en-IN" smtClean="0"/>
-              <a:t>04-08-2025</a:t>
+              <a:t>06-08-2025</a:t>
             </a:fld>
             <a:endParaRPr lang="en-IN"/>
           </a:p>
@@ -2224,7 +2232,7 @@
           <a:p>
             <a:fld id="{ABEA69EC-D54A-4D2B-93D8-80E4662DD78C}" type="datetimeFigureOut">
               <a:rPr lang="en-IN" smtClean="0"/>
-              <a:t>04-08-2025</a:t>
+              <a:t>06-08-2025</a:t>
             </a:fld>
             <a:endParaRPr lang="en-IN"/>
           </a:p>
@@ -2342,7 +2350,7 @@
           <a:p>
             <a:fld id="{ABEA69EC-D54A-4D2B-93D8-80E4662DD78C}" type="datetimeFigureOut">
               <a:rPr lang="en-IN" smtClean="0"/>
-              <a:t>04-08-2025</a:t>
+              <a:t>06-08-2025</a:t>
             </a:fld>
             <a:endParaRPr lang="en-IN"/>
           </a:p>
@@ -2437,7 +2445,7 @@
           <a:p>
             <a:fld id="{ABEA69EC-D54A-4D2B-93D8-80E4662DD78C}" type="datetimeFigureOut">
               <a:rPr lang="en-IN" smtClean="0"/>
-              <a:t>04-08-2025</a:t>
+              <a:t>06-08-2025</a:t>
             </a:fld>
             <a:endParaRPr lang="en-IN"/>
           </a:p>
@@ -2714,7 +2722,7 @@
           <a:p>
             <a:fld id="{ABEA69EC-D54A-4D2B-93D8-80E4662DD78C}" type="datetimeFigureOut">
               <a:rPr lang="en-IN" smtClean="0"/>
-              <a:t>04-08-2025</a:t>
+              <a:t>06-08-2025</a:t>
             </a:fld>
             <a:endParaRPr lang="en-IN"/>
           </a:p>
@@ -2967,7 +2975,7 @@
           <a:p>
             <a:fld id="{ABEA69EC-D54A-4D2B-93D8-80E4662DD78C}" type="datetimeFigureOut">
               <a:rPr lang="en-IN" smtClean="0"/>
-              <a:t>04-08-2025</a:t>
+              <a:t>06-08-2025</a:t>
             </a:fld>
             <a:endParaRPr lang="en-IN"/>
           </a:p>
@@ -3180,7 +3188,7 @@
           <a:p>
             <a:fld id="{ABEA69EC-D54A-4D2B-93D8-80E4662DD78C}" type="datetimeFigureOut">
               <a:rPr lang="en-IN" smtClean="0"/>
-              <a:t>04-08-2025</a:t>
+              <a:t>06-08-2025</a:t>
             </a:fld>
             <a:endParaRPr lang="en-IN"/>
           </a:p>
@@ -4480,7 +4488,6 @@
               <a:rPr lang="en-US" b="1" dirty="0"/>
               <a:t>}</a:t>
             </a:r>
-            <a:endParaRPr lang="en-US" b="1" dirty="0"/>
           </a:p>
         </p:txBody>
       </p:sp>
@@ -5114,7 +5121,15 @@
                   <a:srgbClr val="FF0000"/>
                 </a:solidFill>
               </a:rPr>
-              <a:t>      </a:t>
+              <a:t>    </a:t>
+            </a:r>
+            <a:r>
+              <a:rPr lang="en-IN" b="1" dirty="0" smtClean="0">
+                <a:solidFill>
+                  <a:srgbClr val="FF0000"/>
+                </a:solidFill>
+              </a:rPr>
+              <a:t>     </a:t>
             </a:r>
             <a:r>
               <a:rPr lang="en-IN" b="1" dirty="0" err="1">
@@ -5214,7 +5229,6 @@
               <a:rPr lang="en-IN" dirty="0"/>
               <a:t>}</a:t>
             </a:r>
-            <a:endParaRPr lang="en-IN" dirty="0"/>
           </a:p>
         </p:txBody>
       </p:sp>
@@ -6181,11 +6195,6 @@
               </a:rPr>
               <a:t>}</a:t>
             </a:r>
-            <a:endParaRPr lang="en-US" b="1" dirty="0">
-              <a:solidFill>
-                <a:srgbClr val="FF0000"/>
-              </a:solidFill>
-            </a:endParaRPr>
           </a:p>
         </p:txBody>
       </p:sp>
@@ -7214,11 +7223,6 @@
               </a:rPr>
               <a:t>}</a:t>
             </a:r>
-            <a:endParaRPr lang="en-US" b="1" dirty="0">
-              <a:solidFill>
-                <a:srgbClr val="FF0000"/>
-              </a:solidFill>
-            </a:endParaRPr>
           </a:p>
         </p:txBody>
       </p:sp>
@@ -8181,11 +8185,6 @@
               </a:rPr>
               <a:t>}</a:t>
             </a:r>
-            <a:endParaRPr lang="en-US" b="1" dirty="0">
-              <a:solidFill>
-                <a:srgbClr val="FF0000"/>
-              </a:solidFill>
-            </a:endParaRPr>
           </a:p>
         </p:txBody>
       </p:sp>
@@ -8228,14 +8227,55 @@
       </p:grpSpPr>
       <p:pic>
         <p:nvPicPr>
-          <p:cNvPr id="4" name="Picture 3"/>
+          <p:cNvPr id="1026" name="Picture 2" descr="Parents Vector Art, Icons, and Graphics for Free Download"/>
           <p:cNvPicPr>
-            <a:picLocks noChangeAspect="1"/>
+            <a:picLocks noChangeAspect="1" noChangeArrowheads="1"/>
           </p:cNvPicPr>
           <p:nvPr/>
         </p:nvPicPr>
         <p:blipFill>
-          <a:blip r:embed="rId2" cstate="print">
+          <a:blip r:embed="rId2">
+            <a:extLst>
+              <a:ext uri="{28A0092B-C50C-407E-A947-70E740481C1C}">
+                <a14:useLocalDpi xmlns:a14="http://schemas.microsoft.com/office/drawing/2010/main" val="0"/>
+              </a:ext>
+            </a:extLst>
+          </a:blip>
+          <a:srcRect/>
+          <a:stretch>
+            <a:fillRect/>
+          </a:stretch>
+        </p:blipFill>
+        <p:spPr bwMode="auto">
+          <a:xfrm>
+            <a:off x="7302029" y="1728242"/>
+            <a:ext cx="4392488" cy="4392488"/>
+          </a:xfrm>
+          <a:prstGeom prst="rect">
+            <a:avLst/>
+          </a:prstGeom>
+          <a:noFill/>
+          <a:extLst>
+            <a:ext uri="{909E8E84-426E-40DD-AFC4-6F175D3DCCD1}">
+              <a14:hiddenFill xmlns:a14="http://schemas.microsoft.com/office/drawing/2010/main">
+                <a:solidFill>
+                  <a:srgbClr val="FFFFFF"/>
+                </a:solidFill>
+              </a14:hiddenFill>
+            </a:ext>
+          </a:extLst>
+        </p:spPr>
+      </p:pic>
+      <p:pic>
+        <p:nvPicPr>
+          <p:cNvPr id="4" name="Picture 3"/>
+          <p:cNvPicPr>
+            <a:picLocks/>
+          </p:cNvPicPr>
+          <p:nvPr/>
+        </p:nvPicPr>
+        <p:blipFill>
+          <a:blip r:embed="rId3" cstate="print">
             <a:extLst>
               <a:ext uri="{28A0092B-C50C-407E-A947-70E740481C1C}">
                 <a14:useLocalDpi xmlns:a14="http://schemas.microsoft.com/office/drawing/2010/main" val="0"/>
@@ -8248,8 +8288,8 @@
         </p:blipFill>
         <p:spPr>
           <a:xfrm>
-            <a:off x="4428133" y="720129"/>
-            <a:ext cx="3548672" cy="2415135"/>
+            <a:off x="10588819" y="180259"/>
+            <a:ext cx="1477497" cy="990055"/>
           </a:xfrm>
           <a:prstGeom prst="rect">
             <a:avLst/>
@@ -8258,128 +8298,305 @@
       </p:pic>
       <p:sp>
         <p:nvSpPr>
-          <p:cNvPr id="7" name="TextBox 6"/>
-          <p:cNvSpPr txBox="1"/>
+          <p:cNvPr id="5" name="Rectangle 4"/>
+          <p:cNvSpPr/>
           <p:nvPr/>
         </p:nvSpPr>
         <p:spPr>
           <a:xfrm>
-            <a:off x="1680906" y="2808362"/>
-            <a:ext cx="9344750" cy="2646878"/>
+            <a:off x="7551740" y="5760571"/>
+            <a:ext cx="5827907" cy="1710096"/>
           </a:xfrm>
           <a:prstGeom prst="rect">
             <a:avLst/>
           </a:prstGeom>
           <a:noFill/>
-        </p:spPr>
-        <p:txBody>
-          <a:bodyPr wrap="square" rtlCol="0">
+          <a:ln w="12700" cap="flat" cmpd="sng" algn="ctr">
+            <a:noFill/>
+            <a:prstDash val="solid"/>
+            <a:miter lim="800000"/>
+          </a:ln>
+          <a:effectLst/>
+          <a:extLst>
+            <a:ext uri="{909E8E84-426E-40DD-AFC4-6F175D3DCCD1}">
+              <a14:hiddenFill xmlns:a14="http://schemas.microsoft.com/office/drawing/2010/main">
+                <a:solidFill>
+                  <a:schemeClr val="accent1"/>
+                </a:solidFill>
+              </a14:hiddenFill>
+            </a:ext>
+            <a:ext uri="{91240B29-F687-4F45-9708-019B960494DF}">
+              <a14:hiddenLine xmlns:a14="http://schemas.microsoft.com/office/drawing/2010/main" w="12700" cap="flat" cmpd="sng" algn="ctr">
+                <a:solidFill>
+                  <a:schemeClr val="accent1">
+                    <a:shade val="50000"/>
+                  </a:schemeClr>
+                </a:solidFill>
+                <a:prstDash val="solid"/>
+                <a:miter lim="800000"/>
+              </a14:hiddenLine>
+            </a:ext>
+          </a:extLst>
+        </p:spPr>
+        <p:style>
+          <a:lnRef idx="2">
+            <a:schemeClr val="accent1">
+              <a:shade val="50000"/>
+            </a:schemeClr>
+          </a:lnRef>
+          <a:fillRef idx="1">
+            <a:schemeClr val="accent1"/>
+          </a:fillRef>
+          <a:effectRef idx="0">
+            <a:schemeClr val="accent1"/>
+          </a:effectRef>
+          <a:fontRef idx="minor">
+            <a:schemeClr val="lt1"/>
+          </a:fontRef>
+        </p:style>
+        <p:txBody>
+          <a:bodyPr lIns="103239" tIns="45884" rIns="103239" bIns="45884" rtlCol="0" anchor="t"/>
+          <a:lstStyle/>
+          <a:p>
+            <a:pPr algn="ctr"/>
+            <a:endParaRPr lang="en-US" sz="3300" b="1" dirty="0">
+              <a:solidFill>
+                <a:srgbClr val="FF0000"/>
+              </a:solidFill>
+              <a:latin typeface="Calibri" panose="020F0502020204030204" pitchFamily="34" charset="0"/>
+            </a:endParaRPr>
+          </a:p>
+        </p:txBody>
+      </p:sp>
+      <p:sp>
+        <p:nvSpPr>
+          <p:cNvPr id="3" name="Rectangle 2"/>
+          <p:cNvSpPr/>
+          <p:nvPr/>
+        </p:nvSpPr>
+        <p:spPr>
+          <a:xfrm>
+            <a:off x="610401" y="576114"/>
+            <a:ext cx="11161240" cy="4662815"/>
+          </a:xfrm>
+          <a:prstGeom prst="rect">
+            <a:avLst/>
+          </a:prstGeom>
+          <a:noFill/>
+          <a:ln>
+            <a:noFill/>
+          </a:ln>
+        </p:spPr>
+        <p:style>
+          <a:lnRef idx="2">
+            <a:schemeClr val="dk1"/>
+          </a:lnRef>
+          <a:fillRef idx="1">
+            <a:schemeClr val="lt1"/>
+          </a:fillRef>
+          <a:effectRef idx="0">
+            <a:schemeClr val="dk1"/>
+          </a:effectRef>
+          <a:fontRef idx="minor">
+            <a:schemeClr val="dk1"/>
+          </a:fontRef>
+        </p:style>
+        <p:txBody>
+          <a:bodyPr wrap="square">
             <a:spAutoFit/>
           </a:bodyPr>
           <a:lstStyle/>
           <a:p>
             <a:r>
-              <a:rPr lang="en-US" sz="16600" b="1" dirty="0" smtClean="0">
-                <a:ln w="10541" cmpd="sng">
-                  <a:solidFill>
-                    <a:schemeClr val="accent1">
-                      <a:shade val="88000"/>
-                      <a:satMod val="110000"/>
-                    </a:schemeClr>
-                  </a:solidFill>
-                  <a:prstDash val="solid"/>
-                </a:ln>
-                <a:gradFill>
-                  <a:gsLst>
-                    <a:gs pos="0">
-                      <a:schemeClr val="accent1">
-                        <a:tint val="40000"/>
-                        <a:satMod val="250000"/>
-                      </a:schemeClr>
-                    </a:gs>
-                    <a:gs pos="9000">
-                      <a:schemeClr val="accent1">
-                        <a:tint val="52000"/>
-                        <a:satMod val="300000"/>
-                      </a:schemeClr>
-                    </a:gs>
-                    <a:gs pos="50000">
-                      <a:schemeClr val="accent1">
-                        <a:shade val="20000"/>
-                        <a:satMod val="300000"/>
-                      </a:schemeClr>
-                    </a:gs>
-                    <a:gs pos="79000">
-                      <a:schemeClr val="accent1">
-                        <a:tint val="52000"/>
-                        <a:satMod val="300000"/>
-                      </a:schemeClr>
-                    </a:gs>
-                    <a:gs pos="100000">
-                      <a:schemeClr val="accent1">
-                        <a:tint val="40000"/>
-                        <a:satMod val="250000"/>
-                      </a:schemeClr>
-                    </a:gs>
-                  </a:gsLst>
-                  <a:lin ang="5400000"/>
-                </a:gradFill>
-              </a:rPr>
-              <a:t>Thank You</a:t>
-            </a:r>
-            <a:endParaRPr lang="en-IN" sz="16600" b="1" dirty="0">
-              <a:ln w="10541" cmpd="sng">
-                <a:solidFill>
-                  <a:schemeClr val="accent1">
-                    <a:shade val="88000"/>
-                    <a:satMod val="110000"/>
-                  </a:schemeClr>
-                </a:solidFill>
-                <a:prstDash val="solid"/>
-              </a:ln>
-              <a:gradFill>
-                <a:gsLst>
-                  <a:gs pos="0">
-                    <a:schemeClr val="accent1">
-                      <a:tint val="40000"/>
-                      <a:satMod val="250000"/>
-                    </a:schemeClr>
-                  </a:gs>
-                  <a:gs pos="9000">
-                    <a:schemeClr val="accent1">
-                      <a:tint val="52000"/>
-                      <a:satMod val="300000"/>
-                    </a:schemeClr>
-                  </a:gs>
-                  <a:gs pos="50000">
-                    <a:schemeClr val="accent1">
-                      <a:shade val="20000"/>
-                      <a:satMod val="300000"/>
-                    </a:schemeClr>
-                  </a:gs>
-                  <a:gs pos="79000">
-                    <a:schemeClr val="accent1">
-                      <a:tint val="52000"/>
-                      <a:satMod val="300000"/>
-                    </a:schemeClr>
-                  </a:gs>
-                  <a:gs pos="100000">
-                    <a:schemeClr val="accent1">
-                      <a:tint val="40000"/>
-                      <a:satMod val="250000"/>
-                    </a:schemeClr>
-                  </a:gs>
-                </a:gsLst>
-                <a:lin ang="5400000"/>
-              </a:gradFill>
-            </a:endParaRPr>
+              <a:rPr lang="en-US" b="1" dirty="0">
+                <a:solidFill>
+                  <a:srgbClr val="FF0000"/>
+                </a:solidFill>
+              </a:rPr>
+              <a:t>What is Inheritance?</a:t>
+            </a:r>
+          </a:p>
+          <a:p>
+            <a:pPr marL="898398" lvl="1" indent="-342900">
+              <a:lnSpc>
+                <a:spcPct val="250000"/>
+              </a:lnSpc>
+              <a:buFont typeface="Wingdings" pitchFamily="2" charset="2"/>
+              <a:buChar char="v"/>
+            </a:pPr>
+            <a:r>
+              <a:rPr lang="en-US" dirty="0" smtClean="0"/>
+              <a:t>One </a:t>
+            </a:r>
+            <a:r>
+              <a:rPr lang="en-US" dirty="0"/>
+              <a:t>class </a:t>
+            </a:r>
+            <a:r>
+              <a:rPr lang="en-US" b="1" dirty="0"/>
+              <a:t>inherits</a:t>
+            </a:r>
+            <a:r>
+              <a:rPr lang="en-US" dirty="0"/>
+              <a:t> features (methods &amp; variables) of another</a:t>
+            </a:r>
+          </a:p>
+          <a:p>
+            <a:pPr marL="898398" lvl="1" indent="-342900">
+              <a:lnSpc>
+                <a:spcPct val="250000"/>
+              </a:lnSpc>
+              <a:buFont typeface="Wingdings" pitchFamily="2" charset="2"/>
+              <a:buChar char="v"/>
+            </a:pPr>
+            <a:r>
+              <a:rPr lang="en-US" dirty="0"/>
+              <a:t>Promotes </a:t>
+            </a:r>
+            <a:r>
+              <a:rPr lang="en-US" b="1" dirty="0"/>
+              <a:t>code reusability</a:t>
+            </a:r>
+            <a:endParaRPr lang="en-US" dirty="0"/>
+          </a:p>
+          <a:p>
+            <a:pPr marL="898398" lvl="1" indent="-342900">
+              <a:lnSpc>
+                <a:spcPct val="250000"/>
+              </a:lnSpc>
+              <a:buFont typeface="Wingdings" pitchFamily="2" charset="2"/>
+              <a:buChar char="v"/>
+            </a:pPr>
+            <a:r>
+              <a:rPr lang="en-US" dirty="0"/>
+              <a:t>Helps in building </a:t>
+            </a:r>
+            <a:r>
+              <a:rPr lang="en-US" b="1" dirty="0"/>
+              <a:t>hierarchies</a:t>
+            </a:r>
+            <a:endParaRPr lang="en-US" dirty="0"/>
+          </a:p>
+          <a:p>
+            <a:pPr marL="898398" lvl="1" indent="-342900">
+              <a:lnSpc>
+                <a:spcPct val="250000"/>
+              </a:lnSpc>
+              <a:buFont typeface="Wingdings" pitchFamily="2" charset="2"/>
+              <a:buChar char="v"/>
+            </a:pPr>
+            <a:r>
+              <a:rPr lang="en-US" dirty="0"/>
+              <a:t>Reused class = </a:t>
+            </a:r>
+            <a:r>
+              <a:rPr lang="en-US" b="1" dirty="0"/>
+              <a:t>Base class</a:t>
+            </a:r>
+            <a:r>
+              <a:rPr lang="en-US" dirty="0"/>
+              <a:t> / </a:t>
+            </a:r>
+            <a:r>
+              <a:rPr lang="en-US" b="1" dirty="0"/>
+              <a:t>Parent class</a:t>
+            </a:r>
+            <a:endParaRPr lang="en-US" dirty="0"/>
+          </a:p>
+          <a:p>
+            <a:pPr marL="898398" lvl="1" indent="-342900">
+              <a:lnSpc>
+                <a:spcPct val="250000"/>
+              </a:lnSpc>
+              <a:buFont typeface="Wingdings" pitchFamily="2" charset="2"/>
+              <a:buChar char="v"/>
+            </a:pPr>
+            <a:r>
+              <a:rPr lang="en-US" dirty="0"/>
+              <a:t>New class = </a:t>
+            </a:r>
+            <a:r>
+              <a:rPr lang="en-US" b="1" dirty="0"/>
+              <a:t>Derived class</a:t>
+            </a:r>
+            <a:r>
+              <a:rPr lang="en-US" dirty="0"/>
+              <a:t> / </a:t>
+            </a:r>
+            <a:r>
+              <a:rPr lang="en-US" b="1" dirty="0"/>
+              <a:t>Child class</a:t>
+            </a:r>
+            <a:endParaRPr lang="en-US" dirty="0"/>
+          </a:p>
+        </p:txBody>
+      </p:sp>
+      <p:sp>
+        <p:nvSpPr>
+          <p:cNvPr id="2" name="Rectangle 1"/>
+          <p:cNvSpPr/>
+          <p:nvPr/>
+        </p:nvSpPr>
+        <p:spPr>
+          <a:xfrm>
+            <a:off x="1037591" y="5718046"/>
+            <a:ext cx="10225136" cy="769441"/>
+          </a:xfrm>
+          <a:prstGeom prst="rect">
+            <a:avLst/>
+          </a:prstGeom>
+        </p:spPr>
+        <p:style>
+          <a:lnRef idx="1">
+            <a:schemeClr val="accent4"/>
+          </a:lnRef>
+          <a:fillRef idx="2">
+            <a:schemeClr val="accent4"/>
+          </a:fillRef>
+          <a:effectRef idx="1">
+            <a:schemeClr val="accent4"/>
+          </a:effectRef>
+          <a:fontRef idx="minor">
+            <a:schemeClr val="dk1"/>
+          </a:fontRef>
+        </p:style>
+        <p:txBody>
+          <a:bodyPr wrap="square">
+            <a:spAutoFit/>
+          </a:bodyPr>
+          <a:lstStyle/>
+          <a:p>
+            <a:r>
+              <a:rPr lang="en-US" b="1" dirty="0"/>
+              <a:t>Real-life Example:</a:t>
+            </a:r>
+            <a:r>
+              <a:rPr lang="en-US" dirty="0"/>
+              <a:t/>
+            </a:r>
+            <a:br>
+              <a:rPr lang="en-US" dirty="0"/>
+            </a:br>
+            <a:r>
+              <a:rPr lang="en-US" dirty="0"/>
+              <a:t>A </a:t>
+            </a:r>
+            <a:r>
+              <a:rPr lang="en-US" b="1" dirty="0"/>
+              <a:t>child inherits</a:t>
+            </a:r>
+            <a:r>
+              <a:rPr lang="en-US" dirty="0"/>
+              <a:t> properties from parents – name, behavior, etc.</a:t>
+            </a:r>
+            <a:endParaRPr lang="en-IN" dirty="0"/>
           </a:p>
         </p:txBody>
       </p:sp>
     </p:spTree>
     <p:extLst>
       <p:ext uri="{BB962C8B-B14F-4D97-AF65-F5344CB8AC3E}">
-        <p14:creationId xmlns:p14="http://schemas.microsoft.com/office/powerpoint/2010/main" val="4088372467"/>
+        <p14:creationId xmlns:p14="http://schemas.microsoft.com/office/powerpoint/2010/main" val="2646038969"/>
       </p:ext>
     </p:extLst>
   </p:cSld>
@@ -8730,6 +8947,5040 @@
     <p:extLst>
       <p:ext uri="{BB962C8B-B14F-4D97-AF65-F5344CB8AC3E}">
         <p14:creationId xmlns:p14="http://schemas.microsoft.com/office/powerpoint/2010/main" val="784559456"/>
+      </p:ext>
+    </p:extLst>
+  </p:cSld>
+  <p:clrMapOvr>
+    <a:masterClrMapping/>
+  </p:clrMapOvr>
+  <p:timing>
+    <p:tnLst>
+      <p:par>
+        <p:cTn id="1" dur="indefinite" restart="never" nodeType="tmRoot"/>
+      </p:par>
+    </p:tnLst>
+  </p:timing>
+</p:sld>
+</file>
+
+<file path=ppt/slides/slide20.xml><?xml version="1.0" encoding="utf-8"?>
+<p:sld xmlns:a="http://schemas.openxmlformats.org/drawingml/2006/main" xmlns:r="http://schemas.openxmlformats.org/officeDocument/2006/relationships" xmlns:p="http://schemas.openxmlformats.org/presentationml/2006/main">
+  <p:cSld>
+    <p:spTree>
+      <p:nvGrpSpPr>
+        <p:cNvPr id="1" name=""/>
+        <p:cNvGrpSpPr/>
+        <p:nvPr/>
+      </p:nvGrpSpPr>
+      <p:grpSpPr>
+        <a:xfrm>
+          <a:off x="0" y="0"/>
+          <a:ext cx="0" cy="0"/>
+          <a:chOff x="0" y="0"/>
+          <a:chExt cx="0" cy="0"/>
+        </a:xfrm>
+      </p:grpSpPr>
+      <p:pic>
+        <p:nvPicPr>
+          <p:cNvPr id="4" name="Picture 3"/>
+          <p:cNvPicPr>
+            <a:picLocks/>
+          </p:cNvPicPr>
+          <p:nvPr/>
+        </p:nvPicPr>
+        <p:blipFill>
+          <a:blip r:embed="rId2" cstate="print">
+            <a:extLst>
+              <a:ext uri="{28A0092B-C50C-407E-A947-70E740481C1C}">
+                <a14:useLocalDpi xmlns:a14="http://schemas.microsoft.com/office/drawing/2010/main" val="0"/>
+              </a:ext>
+            </a:extLst>
+          </a:blip>
+          <a:stretch>
+            <a:fillRect/>
+          </a:stretch>
+        </p:blipFill>
+        <p:spPr>
+          <a:xfrm>
+            <a:off x="10588819" y="180259"/>
+            <a:ext cx="1477497" cy="990055"/>
+          </a:xfrm>
+          <a:prstGeom prst="rect">
+            <a:avLst/>
+          </a:prstGeom>
+        </p:spPr>
+      </p:pic>
+      <p:sp>
+        <p:nvSpPr>
+          <p:cNvPr id="5" name="Rectangle 4"/>
+          <p:cNvSpPr/>
+          <p:nvPr/>
+        </p:nvSpPr>
+        <p:spPr>
+          <a:xfrm>
+            <a:off x="7551740" y="5760571"/>
+            <a:ext cx="5827907" cy="1710096"/>
+          </a:xfrm>
+          <a:prstGeom prst="rect">
+            <a:avLst/>
+          </a:prstGeom>
+          <a:noFill/>
+          <a:ln w="12700" cap="flat" cmpd="sng" algn="ctr">
+            <a:noFill/>
+            <a:prstDash val="solid"/>
+            <a:miter lim="800000"/>
+          </a:ln>
+          <a:effectLst/>
+          <a:extLst>
+            <a:ext uri="{909E8E84-426E-40DD-AFC4-6F175D3DCCD1}">
+              <a14:hiddenFill xmlns:a14="http://schemas.microsoft.com/office/drawing/2010/main">
+                <a:solidFill>
+                  <a:schemeClr val="accent1"/>
+                </a:solidFill>
+              </a14:hiddenFill>
+            </a:ext>
+            <a:ext uri="{91240B29-F687-4F45-9708-019B960494DF}">
+              <a14:hiddenLine xmlns:a14="http://schemas.microsoft.com/office/drawing/2010/main" w="12700" cap="flat" cmpd="sng" algn="ctr">
+                <a:solidFill>
+                  <a:schemeClr val="accent1">
+                    <a:shade val="50000"/>
+                  </a:schemeClr>
+                </a:solidFill>
+                <a:prstDash val="solid"/>
+                <a:miter lim="800000"/>
+              </a14:hiddenLine>
+            </a:ext>
+          </a:extLst>
+        </p:spPr>
+        <p:style>
+          <a:lnRef idx="2">
+            <a:schemeClr val="accent1">
+              <a:shade val="50000"/>
+            </a:schemeClr>
+          </a:lnRef>
+          <a:fillRef idx="1">
+            <a:schemeClr val="accent1"/>
+          </a:fillRef>
+          <a:effectRef idx="0">
+            <a:schemeClr val="accent1"/>
+          </a:effectRef>
+          <a:fontRef idx="minor">
+            <a:schemeClr val="lt1"/>
+          </a:fontRef>
+        </p:style>
+        <p:txBody>
+          <a:bodyPr lIns="103239" tIns="45884" rIns="103239" bIns="45884" rtlCol="0" anchor="t"/>
+          <a:lstStyle/>
+          <a:p>
+            <a:pPr algn="ctr"/>
+            <a:endParaRPr lang="en-US" sz="3300" b="1" dirty="0">
+              <a:solidFill>
+                <a:srgbClr val="FF0000"/>
+              </a:solidFill>
+              <a:latin typeface="Calibri" panose="020F0502020204030204" pitchFamily="34" charset="0"/>
+            </a:endParaRPr>
+          </a:p>
+        </p:txBody>
+      </p:sp>
+      <p:sp>
+        <p:nvSpPr>
+          <p:cNvPr id="3" name="Rectangle 2"/>
+          <p:cNvSpPr/>
+          <p:nvPr/>
+        </p:nvSpPr>
+        <p:spPr>
+          <a:xfrm>
+            <a:off x="610401" y="576114"/>
+            <a:ext cx="11161240" cy="2917594"/>
+          </a:xfrm>
+          <a:prstGeom prst="rect">
+            <a:avLst/>
+          </a:prstGeom>
+          <a:noFill/>
+          <a:ln>
+            <a:noFill/>
+          </a:ln>
+        </p:spPr>
+        <p:style>
+          <a:lnRef idx="2">
+            <a:schemeClr val="dk1"/>
+          </a:lnRef>
+          <a:fillRef idx="1">
+            <a:schemeClr val="lt1"/>
+          </a:fillRef>
+          <a:effectRef idx="0">
+            <a:schemeClr val="dk1"/>
+          </a:effectRef>
+          <a:fontRef idx="minor">
+            <a:schemeClr val="dk1"/>
+          </a:fontRef>
+        </p:style>
+        <p:txBody>
+          <a:bodyPr wrap="square">
+            <a:spAutoFit/>
+          </a:bodyPr>
+          <a:lstStyle/>
+          <a:p>
+            <a:r>
+              <a:rPr lang="en-IN" b="1" dirty="0">
+                <a:solidFill>
+                  <a:srgbClr val="FF0000"/>
+                </a:solidFill>
+              </a:rPr>
+              <a:t>Why Use Inheritance?</a:t>
+            </a:r>
+          </a:p>
+          <a:p>
+            <a:pPr marL="898398" lvl="1" indent="-342900">
+              <a:lnSpc>
+                <a:spcPct val="150000"/>
+              </a:lnSpc>
+              <a:buFont typeface="Wingdings" pitchFamily="2" charset="2"/>
+              <a:buChar char="v"/>
+            </a:pPr>
+            <a:r>
+              <a:rPr lang="en-IN" dirty="0" smtClean="0"/>
+              <a:t>Avoids </a:t>
+            </a:r>
+            <a:r>
+              <a:rPr lang="en-IN" dirty="0"/>
+              <a:t>code duplication</a:t>
+            </a:r>
+          </a:p>
+          <a:p>
+            <a:pPr marL="898398" lvl="1" indent="-342900">
+              <a:lnSpc>
+                <a:spcPct val="150000"/>
+              </a:lnSpc>
+              <a:buFont typeface="Wingdings" pitchFamily="2" charset="2"/>
+              <a:buChar char="v"/>
+            </a:pPr>
+            <a:r>
+              <a:rPr lang="en-IN" dirty="0"/>
+              <a:t>Enables </a:t>
+            </a:r>
+            <a:r>
+              <a:rPr lang="en-IN" b="1" dirty="0"/>
+              <a:t>code extension</a:t>
+            </a:r>
+            <a:endParaRPr lang="en-IN" dirty="0"/>
+          </a:p>
+          <a:p>
+            <a:pPr marL="898398" lvl="1" indent="-342900">
+              <a:lnSpc>
+                <a:spcPct val="150000"/>
+              </a:lnSpc>
+              <a:buFont typeface="Wingdings" pitchFamily="2" charset="2"/>
+              <a:buChar char="v"/>
+            </a:pPr>
+            <a:r>
+              <a:rPr lang="en-IN" dirty="0"/>
+              <a:t>Supports </a:t>
+            </a:r>
+            <a:r>
+              <a:rPr lang="en-IN" b="1" dirty="0"/>
+              <a:t>polymorphism</a:t>
+            </a:r>
+            <a:endParaRPr lang="en-IN" dirty="0"/>
+          </a:p>
+          <a:p>
+            <a:pPr marL="898398" lvl="1" indent="-342900">
+              <a:lnSpc>
+                <a:spcPct val="150000"/>
+              </a:lnSpc>
+              <a:buFont typeface="Wingdings" pitchFamily="2" charset="2"/>
+              <a:buChar char="v"/>
+            </a:pPr>
+            <a:r>
+              <a:rPr lang="en-IN" dirty="0"/>
+              <a:t>Makes maintenance easier</a:t>
+            </a:r>
+          </a:p>
+          <a:p>
+            <a:pPr marL="898398" lvl="1" indent="-342900">
+              <a:lnSpc>
+                <a:spcPct val="150000"/>
+              </a:lnSpc>
+              <a:buFont typeface="Wingdings" pitchFamily="2" charset="2"/>
+              <a:buChar char="v"/>
+            </a:pPr>
+            <a:r>
+              <a:rPr lang="en-IN" dirty="0"/>
+              <a:t>Encourages </a:t>
+            </a:r>
+            <a:r>
+              <a:rPr lang="en-IN" b="1" dirty="0"/>
+              <a:t>modular programming</a:t>
+            </a:r>
+            <a:endParaRPr lang="en-IN" dirty="0"/>
+          </a:p>
+        </p:txBody>
+      </p:sp>
+      <p:sp>
+        <p:nvSpPr>
+          <p:cNvPr id="6" name="Rectangle 5"/>
+          <p:cNvSpPr/>
+          <p:nvPr/>
+        </p:nvSpPr>
+        <p:spPr>
+          <a:xfrm>
+            <a:off x="610401" y="3815894"/>
+            <a:ext cx="2662588" cy="430887"/>
+          </a:xfrm>
+          <a:prstGeom prst="rect">
+            <a:avLst/>
+          </a:prstGeom>
+        </p:spPr>
+        <p:txBody>
+          <a:bodyPr wrap="none">
+            <a:spAutoFit/>
+          </a:bodyPr>
+          <a:lstStyle/>
+          <a:p>
+            <a:r>
+              <a:rPr lang="en-IN" b="1" dirty="0">
+                <a:solidFill>
+                  <a:srgbClr val="FF0000"/>
+                </a:solidFill>
+              </a:rPr>
+              <a:t>Syntax of Inheritance</a:t>
+            </a:r>
+          </a:p>
+        </p:txBody>
+      </p:sp>
+      <p:sp>
+        <p:nvSpPr>
+          <p:cNvPr id="7" name="Rectangle 6"/>
+          <p:cNvSpPr/>
+          <p:nvPr/>
+        </p:nvSpPr>
+        <p:spPr>
+          <a:xfrm>
+            <a:off x="3272989" y="3960489"/>
+            <a:ext cx="5976664" cy="3108543"/>
+          </a:xfrm>
+          <a:prstGeom prst="rect">
+            <a:avLst/>
+          </a:prstGeom>
+        </p:spPr>
+        <p:style>
+          <a:lnRef idx="2">
+            <a:schemeClr val="accent1"/>
+          </a:lnRef>
+          <a:fillRef idx="1">
+            <a:schemeClr val="lt1"/>
+          </a:fillRef>
+          <a:effectRef idx="0">
+            <a:schemeClr val="accent1"/>
+          </a:effectRef>
+          <a:fontRef idx="minor">
+            <a:schemeClr val="dk1"/>
+          </a:fontRef>
+        </p:style>
+        <p:txBody>
+          <a:bodyPr wrap="square">
+            <a:spAutoFit/>
+          </a:bodyPr>
+          <a:lstStyle/>
+          <a:p>
+            <a:r>
+              <a:rPr lang="en-US" sz="2800" b="1" dirty="0">
+                <a:solidFill>
+                  <a:schemeClr val="tx1"/>
+                </a:solidFill>
+              </a:rPr>
+              <a:t>class </a:t>
+            </a:r>
+            <a:r>
+              <a:rPr lang="en-US" sz="2800" b="1" dirty="0">
+                <a:solidFill>
+                  <a:srgbClr val="7030A0"/>
+                </a:solidFill>
+              </a:rPr>
+              <a:t>Base</a:t>
+            </a:r>
+            <a:r>
+              <a:rPr lang="en-US" sz="2800" b="1" dirty="0">
+                <a:solidFill>
+                  <a:schemeClr val="tx1"/>
+                </a:solidFill>
+              </a:rPr>
+              <a:t> {</a:t>
+            </a:r>
+          </a:p>
+          <a:p>
+            <a:r>
+              <a:rPr lang="en-US" sz="2800" b="1" dirty="0">
+                <a:solidFill>
+                  <a:schemeClr val="tx1"/>
+                </a:solidFill>
+              </a:rPr>
+              <a:t>  // base class members</a:t>
+            </a:r>
+          </a:p>
+          <a:p>
+            <a:r>
+              <a:rPr lang="en-US" sz="2800" b="1" dirty="0">
+                <a:solidFill>
+                  <a:schemeClr val="tx1"/>
+                </a:solidFill>
+              </a:rPr>
+              <a:t>};</a:t>
+            </a:r>
+          </a:p>
+          <a:p>
+            <a:endParaRPr lang="en-US" sz="2800" b="1" dirty="0"/>
+          </a:p>
+          <a:p>
+            <a:r>
+              <a:rPr lang="en-US" sz="2800" b="1" dirty="0">
+                <a:solidFill>
+                  <a:srgbClr val="00B050"/>
+                </a:solidFill>
+              </a:rPr>
+              <a:t>class </a:t>
+            </a:r>
+            <a:r>
+              <a:rPr lang="en-US" sz="2800" b="1" dirty="0">
+                <a:solidFill>
+                  <a:srgbClr val="C00000"/>
+                </a:solidFill>
+              </a:rPr>
+              <a:t>Derived</a:t>
+            </a:r>
+            <a:r>
+              <a:rPr lang="en-US" sz="2800" b="1" dirty="0">
+                <a:solidFill>
+                  <a:srgbClr val="00B050"/>
+                </a:solidFill>
+              </a:rPr>
+              <a:t> </a:t>
+            </a:r>
+            <a:r>
+              <a:rPr lang="en-US" sz="2800" b="1" dirty="0">
+                <a:solidFill>
+                  <a:srgbClr val="C00000"/>
+                </a:solidFill>
+              </a:rPr>
+              <a:t>:</a:t>
+            </a:r>
+            <a:r>
+              <a:rPr lang="en-US" sz="2800" b="1" dirty="0">
+                <a:solidFill>
+                  <a:srgbClr val="00B050"/>
+                </a:solidFill>
+              </a:rPr>
+              <a:t> </a:t>
+            </a:r>
+            <a:r>
+              <a:rPr lang="en-US" sz="2800" b="1" dirty="0" err="1">
+                <a:solidFill>
+                  <a:srgbClr val="002060"/>
+                </a:solidFill>
+              </a:rPr>
+              <a:t>access_modifier</a:t>
+            </a:r>
+            <a:r>
+              <a:rPr lang="en-US" sz="2800" b="1" dirty="0">
+                <a:solidFill>
+                  <a:srgbClr val="00B050"/>
+                </a:solidFill>
+              </a:rPr>
+              <a:t> </a:t>
+            </a:r>
+            <a:r>
+              <a:rPr lang="en-US" sz="2800" b="1" dirty="0">
+                <a:solidFill>
+                  <a:srgbClr val="7030A0"/>
+                </a:solidFill>
+              </a:rPr>
+              <a:t>Base</a:t>
+            </a:r>
+            <a:r>
+              <a:rPr lang="en-US" sz="2800" b="1" dirty="0">
+                <a:solidFill>
+                  <a:srgbClr val="00B050"/>
+                </a:solidFill>
+              </a:rPr>
+              <a:t> {</a:t>
+            </a:r>
+          </a:p>
+          <a:p>
+            <a:r>
+              <a:rPr lang="en-US" sz="2800" b="1" dirty="0">
+                <a:solidFill>
+                  <a:srgbClr val="00B050"/>
+                </a:solidFill>
+              </a:rPr>
+              <a:t>  // derived class members</a:t>
+            </a:r>
+          </a:p>
+          <a:p>
+            <a:r>
+              <a:rPr lang="en-US" sz="2800" b="1" dirty="0">
+                <a:solidFill>
+                  <a:srgbClr val="00B050"/>
+                </a:solidFill>
+              </a:rPr>
+              <a:t>};</a:t>
+            </a:r>
+          </a:p>
+        </p:txBody>
+      </p:sp>
+      <p:sp>
+        <p:nvSpPr>
+          <p:cNvPr id="10" name="TextBox 9"/>
+          <p:cNvSpPr txBox="1"/>
+          <p:nvPr/>
+        </p:nvSpPr>
+        <p:spPr>
+          <a:xfrm>
+            <a:off x="9324677" y="3903578"/>
+            <a:ext cx="2808312" cy="1785104"/>
+          </a:xfrm>
+          <a:prstGeom prst="rect">
+            <a:avLst/>
+          </a:prstGeom>
+        </p:spPr>
+        <p:style>
+          <a:lnRef idx="1">
+            <a:schemeClr val="accent5"/>
+          </a:lnRef>
+          <a:fillRef idx="2">
+            <a:schemeClr val="accent5"/>
+          </a:fillRef>
+          <a:effectRef idx="1">
+            <a:schemeClr val="accent5"/>
+          </a:effectRef>
+          <a:fontRef idx="minor">
+            <a:schemeClr val="dk1"/>
+          </a:fontRef>
+        </p:style>
+        <p:txBody>
+          <a:bodyPr wrap="square" rtlCol="0">
+            <a:spAutoFit/>
+          </a:bodyPr>
+          <a:lstStyle/>
+          <a:p>
+            <a:r>
+              <a:rPr lang="en-IN" b="1" dirty="0"/>
+              <a:t>Access Modifiers:</a:t>
+            </a:r>
+            <a:endParaRPr lang="en-IN" dirty="0"/>
+          </a:p>
+          <a:p>
+            <a:pPr marL="342900" indent="-342900">
+              <a:buFont typeface="Arial" pitchFamily="34" charset="0"/>
+              <a:buChar char="•"/>
+            </a:pPr>
+            <a:r>
+              <a:rPr lang="en-IN" dirty="0"/>
+              <a:t>public</a:t>
+            </a:r>
+          </a:p>
+          <a:p>
+            <a:pPr marL="342900" indent="-342900">
+              <a:buFont typeface="Arial" pitchFamily="34" charset="0"/>
+              <a:buChar char="•"/>
+            </a:pPr>
+            <a:r>
+              <a:rPr lang="en-IN" dirty="0"/>
+              <a:t>protected</a:t>
+            </a:r>
+          </a:p>
+          <a:p>
+            <a:pPr marL="342900" indent="-342900">
+              <a:buFont typeface="Arial" pitchFamily="34" charset="0"/>
+              <a:buChar char="•"/>
+            </a:pPr>
+            <a:r>
+              <a:rPr lang="en-IN" dirty="0"/>
+              <a:t>private</a:t>
+            </a:r>
+          </a:p>
+          <a:p>
+            <a:endParaRPr lang="en-IN" dirty="0"/>
+          </a:p>
+        </p:txBody>
+      </p:sp>
+    </p:spTree>
+    <p:extLst>
+      <p:ext uri="{BB962C8B-B14F-4D97-AF65-F5344CB8AC3E}">
+        <p14:creationId xmlns:p14="http://schemas.microsoft.com/office/powerpoint/2010/main" val="4217706359"/>
+      </p:ext>
+    </p:extLst>
+  </p:cSld>
+  <p:clrMapOvr>
+    <a:masterClrMapping/>
+  </p:clrMapOvr>
+  <p:timing>
+    <p:tnLst>
+      <p:par>
+        <p:cTn id="1" dur="indefinite" restart="never" nodeType="tmRoot"/>
+      </p:par>
+    </p:tnLst>
+  </p:timing>
+</p:sld>
+</file>
+
+<file path=ppt/slides/slide21.xml><?xml version="1.0" encoding="utf-8"?>
+<p:sld xmlns:a="http://schemas.openxmlformats.org/drawingml/2006/main" xmlns:r="http://schemas.openxmlformats.org/officeDocument/2006/relationships" xmlns:p="http://schemas.openxmlformats.org/presentationml/2006/main">
+  <p:cSld>
+    <p:spTree>
+      <p:nvGrpSpPr>
+        <p:cNvPr id="1" name=""/>
+        <p:cNvGrpSpPr/>
+        <p:nvPr/>
+      </p:nvGrpSpPr>
+      <p:grpSpPr>
+        <a:xfrm>
+          <a:off x="0" y="0"/>
+          <a:ext cx="0" cy="0"/>
+          <a:chOff x="0" y="0"/>
+          <a:chExt cx="0" cy="0"/>
+        </a:xfrm>
+      </p:grpSpPr>
+      <p:pic>
+        <p:nvPicPr>
+          <p:cNvPr id="4" name="Picture 3"/>
+          <p:cNvPicPr>
+            <a:picLocks/>
+          </p:cNvPicPr>
+          <p:nvPr/>
+        </p:nvPicPr>
+        <p:blipFill>
+          <a:blip r:embed="rId2" cstate="print">
+            <a:extLst>
+              <a:ext uri="{28A0092B-C50C-407E-A947-70E740481C1C}">
+                <a14:useLocalDpi xmlns:a14="http://schemas.microsoft.com/office/drawing/2010/main" val="0"/>
+              </a:ext>
+            </a:extLst>
+          </a:blip>
+          <a:stretch>
+            <a:fillRect/>
+          </a:stretch>
+        </p:blipFill>
+        <p:spPr>
+          <a:xfrm>
+            <a:off x="10588819" y="180259"/>
+            <a:ext cx="1477497" cy="990055"/>
+          </a:xfrm>
+          <a:prstGeom prst="rect">
+            <a:avLst/>
+          </a:prstGeom>
+        </p:spPr>
+      </p:pic>
+      <p:sp>
+        <p:nvSpPr>
+          <p:cNvPr id="5" name="Rectangle 4"/>
+          <p:cNvSpPr/>
+          <p:nvPr/>
+        </p:nvSpPr>
+        <p:spPr>
+          <a:xfrm>
+            <a:off x="7551740" y="5760571"/>
+            <a:ext cx="5827907" cy="1710096"/>
+          </a:xfrm>
+          <a:prstGeom prst="rect">
+            <a:avLst/>
+          </a:prstGeom>
+          <a:noFill/>
+          <a:ln w="12700" cap="flat" cmpd="sng" algn="ctr">
+            <a:noFill/>
+            <a:prstDash val="solid"/>
+            <a:miter lim="800000"/>
+          </a:ln>
+          <a:effectLst/>
+          <a:extLst>
+            <a:ext uri="{909E8E84-426E-40DD-AFC4-6F175D3DCCD1}">
+              <a14:hiddenFill xmlns:a14="http://schemas.microsoft.com/office/drawing/2010/main">
+                <a:solidFill>
+                  <a:schemeClr val="accent1"/>
+                </a:solidFill>
+              </a14:hiddenFill>
+            </a:ext>
+            <a:ext uri="{91240B29-F687-4F45-9708-019B960494DF}">
+              <a14:hiddenLine xmlns:a14="http://schemas.microsoft.com/office/drawing/2010/main" w="12700" cap="flat" cmpd="sng" algn="ctr">
+                <a:solidFill>
+                  <a:schemeClr val="accent1">
+                    <a:shade val="50000"/>
+                  </a:schemeClr>
+                </a:solidFill>
+                <a:prstDash val="solid"/>
+                <a:miter lim="800000"/>
+              </a14:hiddenLine>
+            </a:ext>
+          </a:extLst>
+        </p:spPr>
+        <p:style>
+          <a:lnRef idx="2">
+            <a:schemeClr val="accent1">
+              <a:shade val="50000"/>
+            </a:schemeClr>
+          </a:lnRef>
+          <a:fillRef idx="1">
+            <a:schemeClr val="accent1"/>
+          </a:fillRef>
+          <a:effectRef idx="0">
+            <a:schemeClr val="accent1"/>
+          </a:effectRef>
+          <a:fontRef idx="minor">
+            <a:schemeClr val="lt1"/>
+          </a:fontRef>
+        </p:style>
+        <p:txBody>
+          <a:bodyPr lIns="103239" tIns="45884" rIns="103239" bIns="45884" rtlCol="0" anchor="t"/>
+          <a:lstStyle/>
+          <a:p>
+            <a:pPr algn="ctr"/>
+            <a:endParaRPr lang="en-US" sz="3300" b="1" dirty="0">
+              <a:solidFill>
+                <a:srgbClr val="FF0000"/>
+              </a:solidFill>
+              <a:latin typeface="Calibri" panose="020F0502020204030204" pitchFamily="34" charset="0"/>
+            </a:endParaRPr>
+          </a:p>
+        </p:txBody>
+      </p:sp>
+      <p:sp>
+        <p:nvSpPr>
+          <p:cNvPr id="3" name="Rectangle 2"/>
+          <p:cNvSpPr/>
+          <p:nvPr/>
+        </p:nvSpPr>
+        <p:spPr>
+          <a:xfrm>
+            <a:off x="610401" y="576114"/>
+            <a:ext cx="11161240" cy="5509200"/>
+          </a:xfrm>
+          <a:prstGeom prst="rect">
+            <a:avLst/>
+          </a:prstGeom>
+          <a:noFill/>
+          <a:ln>
+            <a:noFill/>
+          </a:ln>
+        </p:spPr>
+        <p:style>
+          <a:lnRef idx="2">
+            <a:schemeClr val="dk1"/>
+          </a:lnRef>
+          <a:fillRef idx="1">
+            <a:schemeClr val="lt1"/>
+          </a:fillRef>
+          <a:effectRef idx="0">
+            <a:schemeClr val="dk1"/>
+          </a:effectRef>
+          <a:fontRef idx="minor">
+            <a:schemeClr val="dk1"/>
+          </a:fontRef>
+        </p:style>
+        <p:txBody>
+          <a:bodyPr wrap="square">
+            <a:spAutoFit/>
+          </a:bodyPr>
+          <a:lstStyle/>
+          <a:p>
+            <a:r>
+              <a:rPr lang="en-US" b="1" dirty="0">
+                <a:solidFill>
+                  <a:srgbClr val="FF0000"/>
+                </a:solidFill>
+              </a:rPr>
+              <a:t>Types of Inheritance in C++</a:t>
+            </a:r>
+          </a:p>
+          <a:p>
+            <a:pPr marL="898398" lvl="1" indent="-342900">
+              <a:lnSpc>
+                <a:spcPct val="300000"/>
+              </a:lnSpc>
+              <a:buFont typeface="Wingdings" pitchFamily="2" charset="2"/>
+              <a:buChar char="ü"/>
+            </a:pPr>
+            <a:r>
+              <a:rPr lang="en-US" b="1" dirty="0" smtClean="0">
+                <a:solidFill>
+                  <a:srgbClr val="7030A0"/>
+                </a:solidFill>
+              </a:rPr>
+              <a:t>Single </a:t>
+            </a:r>
+            <a:r>
+              <a:rPr lang="en-US" b="1" dirty="0">
+                <a:solidFill>
+                  <a:srgbClr val="7030A0"/>
+                </a:solidFill>
+              </a:rPr>
+              <a:t>Inheritance</a:t>
+            </a:r>
+          </a:p>
+          <a:p>
+            <a:pPr marL="898398" lvl="1" indent="-342900">
+              <a:lnSpc>
+                <a:spcPct val="300000"/>
+              </a:lnSpc>
+              <a:buFont typeface="Wingdings" pitchFamily="2" charset="2"/>
+              <a:buChar char="ü"/>
+            </a:pPr>
+            <a:r>
+              <a:rPr lang="en-US" b="1" dirty="0">
+                <a:solidFill>
+                  <a:srgbClr val="7030A0"/>
+                </a:solidFill>
+              </a:rPr>
+              <a:t>Multilevel Inheritance</a:t>
+            </a:r>
+          </a:p>
+          <a:p>
+            <a:pPr marL="898398" lvl="1" indent="-342900">
+              <a:lnSpc>
+                <a:spcPct val="300000"/>
+              </a:lnSpc>
+              <a:buFont typeface="Wingdings" pitchFamily="2" charset="2"/>
+              <a:buChar char="ü"/>
+            </a:pPr>
+            <a:r>
+              <a:rPr lang="en-US" b="1" dirty="0">
+                <a:solidFill>
+                  <a:srgbClr val="7030A0"/>
+                </a:solidFill>
+              </a:rPr>
+              <a:t>Multiple Inheritance</a:t>
+            </a:r>
+          </a:p>
+          <a:p>
+            <a:pPr marL="898398" lvl="1" indent="-342900">
+              <a:lnSpc>
+                <a:spcPct val="300000"/>
+              </a:lnSpc>
+              <a:buFont typeface="Wingdings" pitchFamily="2" charset="2"/>
+              <a:buChar char="ü"/>
+            </a:pPr>
+            <a:r>
+              <a:rPr lang="en-US" b="1" dirty="0">
+                <a:solidFill>
+                  <a:srgbClr val="7030A0"/>
+                </a:solidFill>
+              </a:rPr>
+              <a:t>Hierarchical Inheritance</a:t>
+            </a:r>
+          </a:p>
+          <a:p>
+            <a:pPr marL="898398" lvl="1" indent="-342900">
+              <a:lnSpc>
+                <a:spcPct val="300000"/>
+              </a:lnSpc>
+              <a:buFont typeface="Wingdings" pitchFamily="2" charset="2"/>
+              <a:buChar char="ü"/>
+            </a:pPr>
+            <a:r>
+              <a:rPr lang="en-US" b="1" dirty="0">
+                <a:solidFill>
+                  <a:srgbClr val="7030A0"/>
+                </a:solidFill>
+              </a:rPr>
+              <a:t>Hybrid Inheritance</a:t>
+            </a:r>
+          </a:p>
+        </p:txBody>
+      </p:sp>
+    </p:spTree>
+    <p:extLst>
+      <p:ext uri="{BB962C8B-B14F-4D97-AF65-F5344CB8AC3E}">
+        <p14:creationId xmlns:p14="http://schemas.microsoft.com/office/powerpoint/2010/main" val="3086735658"/>
+      </p:ext>
+    </p:extLst>
+  </p:cSld>
+  <p:clrMapOvr>
+    <a:masterClrMapping/>
+  </p:clrMapOvr>
+  <p:timing>
+    <p:tnLst>
+      <p:par>
+        <p:cTn id="1" dur="indefinite" restart="never" nodeType="tmRoot"/>
+      </p:par>
+    </p:tnLst>
+  </p:timing>
+</p:sld>
+</file>
+
+<file path=ppt/slides/slide22.xml><?xml version="1.0" encoding="utf-8"?>
+<p:sld xmlns:a="http://schemas.openxmlformats.org/drawingml/2006/main" xmlns:r="http://schemas.openxmlformats.org/officeDocument/2006/relationships" xmlns:p="http://schemas.openxmlformats.org/presentationml/2006/main">
+  <p:cSld>
+    <p:spTree>
+      <p:nvGrpSpPr>
+        <p:cNvPr id="1" name=""/>
+        <p:cNvGrpSpPr/>
+        <p:nvPr/>
+      </p:nvGrpSpPr>
+      <p:grpSpPr>
+        <a:xfrm>
+          <a:off x="0" y="0"/>
+          <a:ext cx="0" cy="0"/>
+          <a:chOff x="0" y="0"/>
+          <a:chExt cx="0" cy="0"/>
+        </a:xfrm>
+      </p:grpSpPr>
+      <p:pic>
+        <p:nvPicPr>
+          <p:cNvPr id="4" name="Picture 3"/>
+          <p:cNvPicPr>
+            <a:picLocks/>
+          </p:cNvPicPr>
+          <p:nvPr/>
+        </p:nvPicPr>
+        <p:blipFill>
+          <a:blip r:embed="rId2" cstate="print">
+            <a:extLst>
+              <a:ext uri="{28A0092B-C50C-407E-A947-70E740481C1C}">
+                <a14:useLocalDpi xmlns:a14="http://schemas.microsoft.com/office/drawing/2010/main" val="0"/>
+              </a:ext>
+            </a:extLst>
+          </a:blip>
+          <a:stretch>
+            <a:fillRect/>
+          </a:stretch>
+        </p:blipFill>
+        <p:spPr>
+          <a:xfrm>
+            <a:off x="10588819" y="180259"/>
+            <a:ext cx="1477497" cy="990055"/>
+          </a:xfrm>
+          <a:prstGeom prst="rect">
+            <a:avLst/>
+          </a:prstGeom>
+        </p:spPr>
+      </p:pic>
+      <p:sp>
+        <p:nvSpPr>
+          <p:cNvPr id="5" name="Rectangle 4"/>
+          <p:cNvSpPr/>
+          <p:nvPr/>
+        </p:nvSpPr>
+        <p:spPr>
+          <a:xfrm>
+            <a:off x="7551740" y="5760571"/>
+            <a:ext cx="5827907" cy="1710096"/>
+          </a:xfrm>
+          <a:prstGeom prst="rect">
+            <a:avLst/>
+          </a:prstGeom>
+          <a:noFill/>
+          <a:ln w="12700" cap="flat" cmpd="sng" algn="ctr">
+            <a:noFill/>
+            <a:prstDash val="solid"/>
+            <a:miter lim="800000"/>
+          </a:ln>
+          <a:effectLst/>
+          <a:extLst>
+            <a:ext uri="{909E8E84-426E-40DD-AFC4-6F175D3DCCD1}">
+              <a14:hiddenFill xmlns:a14="http://schemas.microsoft.com/office/drawing/2010/main">
+                <a:solidFill>
+                  <a:schemeClr val="accent1"/>
+                </a:solidFill>
+              </a14:hiddenFill>
+            </a:ext>
+            <a:ext uri="{91240B29-F687-4F45-9708-019B960494DF}">
+              <a14:hiddenLine xmlns:a14="http://schemas.microsoft.com/office/drawing/2010/main" w="12700" cap="flat" cmpd="sng" algn="ctr">
+                <a:solidFill>
+                  <a:schemeClr val="accent1">
+                    <a:shade val="50000"/>
+                  </a:schemeClr>
+                </a:solidFill>
+                <a:prstDash val="solid"/>
+                <a:miter lim="800000"/>
+              </a14:hiddenLine>
+            </a:ext>
+          </a:extLst>
+        </p:spPr>
+        <p:style>
+          <a:lnRef idx="2">
+            <a:schemeClr val="accent1">
+              <a:shade val="50000"/>
+            </a:schemeClr>
+          </a:lnRef>
+          <a:fillRef idx="1">
+            <a:schemeClr val="accent1"/>
+          </a:fillRef>
+          <a:effectRef idx="0">
+            <a:schemeClr val="accent1"/>
+          </a:effectRef>
+          <a:fontRef idx="minor">
+            <a:schemeClr val="lt1"/>
+          </a:fontRef>
+        </p:style>
+        <p:txBody>
+          <a:bodyPr lIns="103239" tIns="45884" rIns="103239" bIns="45884" rtlCol="0" anchor="t"/>
+          <a:lstStyle/>
+          <a:p>
+            <a:pPr algn="ctr"/>
+            <a:endParaRPr lang="en-US" sz="3300" b="1" dirty="0">
+              <a:solidFill>
+                <a:srgbClr val="FF0000"/>
+              </a:solidFill>
+              <a:latin typeface="Calibri" panose="020F0502020204030204" pitchFamily="34" charset="0"/>
+            </a:endParaRPr>
+          </a:p>
+        </p:txBody>
+      </p:sp>
+      <p:sp>
+        <p:nvSpPr>
+          <p:cNvPr id="3" name="Rectangle 2"/>
+          <p:cNvSpPr/>
+          <p:nvPr/>
+        </p:nvSpPr>
+        <p:spPr>
+          <a:xfrm>
+            <a:off x="610401" y="576114"/>
+            <a:ext cx="11161240" cy="1107996"/>
+          </a:xfrm>
+          <a:prstGeom prst="rect">
+            <a:avLst/>
+          </a:prstGeom>
+          <a:noFill/>
+          <a:ln>
+            <a:noFill/>
+          </a:ln>
+        </p:spPr>
+        <p:style>
+          <a:lnRef idx="2">
+            <a:schemeClr val="dk1"/>
+          </a:lnRef>
+          <a:fillRef idx="1">
+            <a:schemeClr val="lt1"/>
+          </a:fillRef>
+          <a:effectRef idx="0">
+            <a:schemeClr val="dk1"/>
+          </a:effectRef>
+          <a:fontRef idx="minor">
+            <a:schemeClr val="dk1"/>
+          </a:fontRef>
+        </p:style>
+        <p:txBody>
+          <a:bodyPr wrap="square">
+            <a:spAutoFit/>
+          </a:bodyPr>
+          <a:lstStyle/>
+          <a:p>
+            <a:r>
+              <a:rPr lang="en-US" b="1" dirty="0">
+                <a:solidFill>
+                  <a:srgbClr val="FF0000"/>
+                </a:solidFill>
+              </a:rPr>
+              <a:t>Single Inheritance</a:t>
+            </a:r>
+          </a:p>
+          <a:p>
+            <a:pPr marL="898398" lvl="1" indent="-342900">
+              <a:buFont typeface="Arial" pitchFamily="34" charset="0"/>
+              <a:buChar char="•"/>
+            </a:pPr>
+            <a:r>
+              <a:rPr lang="en-US" dirty="0" smtClean="0"/>
+              <a:t>One </a:t>
+            </a:r>
+            <a:r>
+              <a:rPr lang="en-US" dirty="0"/>
+              <a:t>base class, one derived class</a:t>
+            </a:r>
+          </a:p>
+          <a:p>
+            <a:pPr marL="898398" lvl="1" indent="-342900">
+              <a:buFont typeface="Arial" pitchFamily="34" charset="0"/>
+              <a:buChar char="•"/>
+            </a:pPr>
+            <a:r>
+              <a:rPr lang="en-US" dirty="0"/>
+              <a:t>Most basic form</a:t>
+            </a:r>
+          </a:p>
+        </p:txBody>
+      </p:sp>
+      <p:sp>
+        <p:nvSpPr>
+          <p:cNvPr id="2" name="Rectangle 1"/>
+          <p:cNvSpPr/>
+          <p:nvPr/>
+        </p:nvSpPr>
+        <p:spPr>
+          <a:xfrm>
+            <a:off x="899741" y="2863650"/>
+            <a:ext cx="4104456" cy="2462213"/>
+          </a:xfrm>
+          <a:prstGeom prst="rect">
+            <a:avLst/>
+          </a:prstGeom>
+        </p:spPr>
+        <p:style>
+          <a:lnRef idx="2">
+            <a:schemeClr val="accent4"/>
+          </a:lnRef>
+          <a:fillRef idx="1">
+            <a:schemeClr val="lt1"/>
+          </a:fillRef>
+          <a:effectRef idx="0">
+            <a:schemeClr val="accent4"/>
+          </a:effectRef>
+          <a:fontRef idx="minor">
+            <a:schemeClr val="dk1"/>
+          </a:fontRef>
+        </p:style>
+        <p:txBody>
+          <a:bodyPr wrap="square">
+            <a:spAutoFit/>
+          </a:bodyPr>
+          <a:lstStyle/>
+          <a:p>
+            <a:r>
+              <a:rPr lang="en-US" b="1" dirty="0">
+                <a:solidFill>
+                  <a:srgbClr val="0070C0"/>
+                </a:solidFill>
+              </a:rPr>
+              <a:t>class Animal {</a:t>
+            </a:r>
+          </a:p>
+          <a:p>
+            <a:r>
+              <a:rPr lang="en-US" b="1" dirty="0">
+                <a:solidFill>
+                  <a:srgbClr val="0070C0"/>
+                </a:solidFill>
+              </a:rPr>
+              <a:t>  void eat();</a:t>
+            </a:r>
+          </a:p>
+          <a:p>
+            <a:r>
+              <a:rPr lang="en-US" b="1" dirty="0">
+                <a:solidFill>
+                  <a:srgbClr val="0070C0"/>
+                </a:solidFill>
+              </a:rPr>
+              <a:t>};</a:t>
+            </a:r>
+          </a:p>
+          <a:p>
+            <a:endParaRPr lang="en-US" b="1" dirty="0"/>
+          </a:p>
+          <a:p>
+            <a:r>
+              <a:rPr lang="en-US" b="1" dirty="0"/>
+              <a:t>class Dog : public Animal {</a:t>
+            </a:r>
+          </a:p>
+          <a:p>
+            <a:r>
+              <a:rPr lang="en-US" b="1" dirty="0"/>
+              <a:t>  void bark();</a:t>
+            </a:r>
+          </a:p>
+          <a:p>
+            <a:r>
+              <a:rPr lang="en-US" b="1" dirty="0"/>
+              <a:t>};</a:t>
+            </a:r>
+          </a:p>
+        </p:txBody>
+      </p:sp>
+      <p:sp>
+        <p:nvSpPr>
+          <p:cNvPr id="6" name="Rectangle 5"/>
+          <p:cNvSpPr/>
+          <p:nvPr/>
+        </p:nvSpPr>
+        <p:spPr>
+          <a:xfrm>
+            <a:off x="755725" y="2379952"/>
+            <a:ext cx="6156325" cy="430887"/>
+          </a:xfrm>
+          <a:prstGeom prst="rect">
+            <a:avLst/>
+          </a:prstGeom>
+        </p:spPr>
+        <p:txBody>
+          <a:bodyPr>
+            <a:spAutoFit/>
+          </a:bodyPr>
+          <a:lstStyle/>
+          <a:p>
+            <a:r>
+              <a:rPr lang="en-US" b="1" dirty="0" smtClean="0"/>
+              <a:t>Example :</a:t>
+            </a:r>
+            <a:endParaRPr lang="en-US" b="1" dirty="0"/>
+          </a:p>
+        </p:txBody>
+      </p:sp>
+      <p:sp>
+        <p:nvSpPr>
+          <p:cNvPr id="7" name="AutoShape 2" descr="inheritence"/>
+          <p:cNvSpPr>
+            <a:spLocks noChangeAspect="1" noChangeArrowheads="1"/>
+          </p:cNvSpPr>
+          <p:nvPr/>
+        </p:nvSpPr>
+        <p:spPr bwMode="auto">
+          <a:xfrm>
+            <a:off x="155575" y="-144463"/>
+            <a:ext cx="304800" cy="304801"/>
+          </a:xfrm>
+          <a:prstGeom prst="rect">
+            <a:avLst/>
+          </a:prstGeom>
+          <a:noFill/>
+          <a:extLst>
+            <a:ext uri="{909E8E84-426E-40DD-AFC4-6F175D3DCCD1}">
+              <a14:hiddenFill xmlns:a14="http://schemas.microsoft.com/office/drawing/2010/main">
+                <a:solidFill>
+                  <a:srgbClr val="FFFFFF"/>
+                </a:solidFill>
+              </a14:hiddenFill>
+            </a:ext>
+          </a:extLst>
+        </p:spPr>
+        <p:txBody>
+          <a:bodyPr vert="horz" wrap="square" lIns="91440" tIns="45720" rIns="91440" bIns="45720" numCol="1" anchor="t" anchorCtr="0" compatLnSpc="1">
+            <a:prstTxWarp prst="textNoShape">
+              <a:avLst/>
+            </a:prstTxWarp>
+          </a:bodyPr>
+          <a:lstStyle/>
+          <a:p>
+            <a:endParaRPr lang="en-IN"/>
+          </a:p>
+        </p:txBody>
+      </p:sp>
+      <p:sp>
+        <p:nvSpPr>
+          <p:cNvPr id="8" name="AutoShape 4" descr="inheritence"/>
+          <p:cNvSpPr>
+            <a:spLocks noChangeAspect="1" noChangeArrowheads="1"/>
+          </p:cNvSpPr>
+          <p:nvPr/>
+        </p:nvSpPr>
+        <p:spPr bwMode="auto">
+          <a:xfrm>
+            <a:off x="307975" y="7937"/>
+            <a:ext cx="304800" cy="304801"/>
+          </a:xfrm>
+          <a:prstGeom prst="rect">
+            <a:avLst/>
+          </a:prstGeom>
+          <a:noFill/>
+          <a:extLst>
+            <a:ext uri="{909E8E84-426E-40DD-AFC4-6F175D3DCCD1}">
+              <a14:hiddenFill xmlns:a14="http://schemas.microsoft.com/office/drawing/2010/main">
+                <a:solidFill>
+                  <a:srgbClr val="FFFFFF"/>
+                </a:solidFill>
+              </a14:hiddenFill>
+            </a:ext>
+          </a:extLst>
+        </p:spPr>
+        <p:txBody>
+          <a:bodyPr vert="horz" wrap="square" lIns="91440" tIns="45720" rIns="91440" bIns="45720" numCol="1" anchor="t" anchorCtr="0" compatLnSpc="1">
+            <a:prstTxWarp prst="textNoShape">
+              <a:avLst/>
+            </a:prstTxWarp>
+          </a:bodyPr>
+          <a:lstStyle/>
+          <a:p>
+            <a:endParaRPr lang="en-IN"/>
+          </a:p>
+        </p:txBody>
+      </p:sp>
+      <p:sp>
+        <p:nvSpPr>
+          <p:cNvPr id="9" name="AutoShape 6" descr="inheritence"/>
+          <p:cNvSpPr>
+            <a:spLocks noChangeAspect="1" noChangeArrowheads="1"/>
+          </p:cNvSpPr>
+          <p:nvPr/>
+        </p:nvSpPr>
+        <p:spPr bwMode="auto">
+          <a:xfrm>
+            <a:off x="460375" y="160337"/>
+            <a:ext cx="304800" cy="304801"/>
+          </a:xfrm>
+          <a:prstGeom prst="rect">
+            <a:avLst/>
+          </a:prstGeom>
+          <a:noFill/>
+          <a:extLst>
+            <a:ext uri="{909E8E84-426E-40DD-AFC4-6F175D3DCCD1}">
+              <a14:hiddenFill xmlns:a14="http://schemas.microsoft.com/office/drawing/2010/main">
+                <a:solidFill>
+                  <a:srgbClr val="FFFFFF"/>
+                </a:solidFill>
+              </a14:hiddenFill>
+            </a:ext>
+          </a:extLst>
+        </p:spPr>
+        <p:txBody>
+          <a:bodyPr vert="horz" wrap="square" lIns="91440" tIns="45720" rIns="91440" bIns="45720" numCol="1" anchor="t" anchorCtr="0" compatLnSpc="1">
+            <a:prstTxWarp prst="textNoShape">
+              <a:avLst/>
+            </a:prstTxWarp>
+          </a:bodyPr>
+          <a:lstStyle/>
+          <a:p>
+            <a:endParaRPr lang="en-IN"/>
+          </a:p>
+        </p:txBody>
+      </p:sp>
+      <p:sp>
+        <p:nvSpPr>
+          <p:cNvPr id="11" name="TextBox 10"/>
+          <p:cNvSpPr txBox="1"/>
+          <p:nvPr/>
+        </p:nvSpPr>
+        <p:spPr>
+          <a:xfrm>
+            <a:off x="7395612" y="2962238"/>
+            <a:ext cx="2520280" cy="769441"/>
+          </a:xfrm>
+          <a:prstGeom prst="rect">
+            <a:avLst/>
+          </a:prstGeom>
+        </p:spPr>
+        <p:style>
+          <a:lnRef idx="0">
+            <a:schemeClr val="accent1"/>
+          </a:lnRef>
+          <a:fillRef idx="3">
+            <a:schemeClr val="accent1"/>
+          </a:fillRef>
+          <a:effectRef idx="3">
+            <a:schemeClr val="accent1"/>
+          </a:effectRef>
+          <a:fontRef idx="minor">
+            <a:schemeClr val="lt1"/>
+          </a:fontRef>
+        </p:style>
+        <p:txBody>
+          <a:bodyPr wrap="square" rtlCol="0">
+            <a:spAutoFit/>
+          </a:bodyPr>
+          <a:lstStyle/>
+          <a:p>
+            <a:pPr algn="ctr"/>
+            <a:r>
+              <a:rPr lang="en-US" sz="4400" b="1" dirty="0" smtClean="0"/>
+              <a:t>Animal</a:t>
+            </a:r>
+            <a:endParaRPr lang="en-IN" sz="4400" b="1" dirty="0"/>
+          </a:p>
+        </p:txBody>
+      </p:sp>
+      <p:sp>
+        <p:nvSpPr>
+          <p:cNvPr id="12" name="TextBox 11"/>
+          <p:cNvSpPr txBox="1"/>
+          <p:nvPr/>
+        </p:nvSpPr>
+        <p:spPr>
+          <a:xfrm>
+            <a:off x="7395612" y="4522185"/>
+            <a:ext cx="2520280" cy="769441"/>
+          </a:xfrm>
+          <a:prstGeom prst="rect">
+            <a:avLst/>
+          </a:prstGeom>
+        </p:spPr>
+        <p:style>
+          <a:lnRef idx="0">
+            <a:schemeClr val="accent5"/>
+          </a:lnRef>
+          <a:fillRef idx="3">
+            <a:schemeClr val="accent5"/>
+          </a:fillRef>
+          <a:effectRef idx="3">
+            <a:schemeClr val="accent5"/>
+          </a:effectRef>
+          <a:fontRef idx="minor">
+            <a:schemeClr val="lt1"/>
+          </a:fontRef>
+        </p:style>
+        <p:txBody>
+          <a:bodyPr wrap="square" rtlCol="0">
+            <a:spAutoFit/>
+          </a:bodyPr>
+          <a:lstStyle/>
+          <a:p>
+            <a:pPr algn="ctr"/>
+            <a:r>
+              <a:rPr lang="en-US" sz="4400" b="1" dirty="0" smtClean="0"/>
+              <a:t>Dog</a:t>
+            </a:r>
+            <a:endParaRPr lang="en-IN" sz="4400" b="1" dirty="0"/>
+          </a:p>
+        </p:txBody>
+      </p:sp>
+      <p:cxnSp>
+        <p:nvCxnSpPr>
+          <p:cNvPr id="14" name="Straight Arrow Connector 13"/>
+          <p:cNvCxnSpPr/>
+          <p:nvPr/>
+        </p:nvCxnSpPr>
+        <p:spPr>
+          <a:xfrm>
+            <a:off x="8655752" y="3731679"/>
+            <a:ext cx="0" cy="790506"/>
+          </a:xfrm>
+          <a:prstGeom prst="straightConnector1">
+            <a:avLst/>
+          </a:prstGeom>
+          <a:ln>
+            <a:tailEnd type="arrow"/>
+          </a:ln>
+        </p:spPr>
+        <p:style>
+          <a:lnRef idx="3">
+            <a:schemeClr val="dk1"/>
+          </a:lnRef>
+          <a:fillRef idx="0">
+            <a:schemeClr val="dk1"/>
+          </a:fillRef>
+          <a:effectRef idx="2">
+            <a:schemeClr val="dk1"/>
+          </a:effectRef>
+          <a:fontRef idx="minor">
+            <a:schemeClr val="tx1"/>
+          </a:fontRef>
+        </p:style>
+      </p:cxnSp>
+      <p:sp>
+        <p:nvSpPr>
+          <p:cNvPr id="15" name="TextBox 14"/>
+          <p:cNvSpPr txBox="1"/>
+          <p:nvPr/>
+        </p:nvSpPr>
+        <p:spPr>
+          <a:xfrm>
+            <a:off x="10044757" y="3312418"/>
+            <a:ext cx="1584176" cy="430887"/>
+          </a:xfrm>
+          <a:prstGeom prst="rect">
+            <a:avLst/>
+          </a:prstGeom>
+          <a:noFill/>
+        </p:spPr>
+        <p:txBody>
+          <a:bodyPr wrap="square" rtlCol="0">
+            <a:spAutoFit/>
+          </a:bodyPr>
+          <a:lstStyle/>
+          <a:p>
+            <a:r>
+              <a:rPr lang="en-US" b="1" dirty="0" smtClean="0"/>
+              <a:t>(Base)</a:t>
+            </a:r>
+            <a:endParaRPr lang="en-IN" b="1" dirty="0"/>
+          </a:p>
+        </p:txBody>
+      </p:sp>
+      <p:sp>
+        <p:nvSpPr>
+          <p:cNvPr id="16" name="Rectangle 15"/>
+          <p:cNvSpPr/>
+          <p:nvPr/>
+        </p:nvSpPr>
+        <p:spPr>
+          <a:xfrm>
+            <a:off x="10044757" y="4691461"/>
+            <a:ext cx="949299" cy="430887"/>
+          </a:xfrm>
+          <a:prstGeom prst="rect">
+            <a:avLst/>
+          </a:prstGeom>
+        </p:spPr>
+        <p:txBody>
+          <a:bodyPr wrap="none">
+            <a:spAutoFit/>
+          </a:bodyPr>
+          <a:lstStyle/>
+          <a:p>
+            <a:r>
+              <a:rPr lang="en-US" b="1" dirty="0" smtClean="0"/>
+              <a:t>(Child)</a:t>
+            </a:r>
+            <a:endParaRPr lang="en-IN" b="1" dirty="0"/>
+          </a:p>
+        </p:txBody>
+      </p:sp>
+    </p:spTree>
+    <p:extLst>
+      <p:ext uri="{BB962C8B-B14F-4D97-AF65-F5344CB8AC3E}">
+        <p14:creationId xmlns:p14="http://schemas.microsoft.com/office/powerpoint/2010/main" val="4013143151"/>
+      </p:ext>
+    </p:extLst>
+  </p:cSld>
+  <p:clrMapOvr>
+    <a:masterClrMapping/>
+  </p:clrMapOvr>
+  <p:timing>
+    <p:tnLst>
+      <p:par>
+        <p:cTn id="1" dur="indefinite" restart="never" nodeType="tmRoot"/>
+      </p:par>
+    </p:tnLst>
+  </p:timing>
+</p:sld>
+</file>
+
+<file path=ppt/slides/slide23.xml><?xml version="1.0" encoding="utf-8"?>
+<p:sld xmlns:a="http://schemas.openxmlformats.org/drawingml/2006/main" xmlns:r="http://schemas.openxmlformats.org/officeDocument/2006/relationships" xmlns:p="http://schemas.openxmlformats.org/presentationml/2006/main">
+  <p:cSld>
+    <p:spTree>
+      <p:nvGrpSpPr>
+        <p:cNvPr id="1" name=""/>
+        <p:cNvGrpSpPr/>
+        <p:nvPr/>
+      </p:nvGrpSpPr>
+      <p:grpSpPr>
+        <a:xfrm>
+          <a:off x="0" y="0"/>
+          <a:ext cx="0" cy="0"/>
+          <a:chOff x="0" y="0"/>
+          <a:chExt cx="0" cy="0"/>
+        </a:xfrm>
+      </p:grpSpPr>
+      <p:pic>
+        <p:nvPicPr>
+          <p:cNvPr id="4" name="Picture 3"/>
+          <p:cNvPicPr>
+            <a:picLocks/>
+          </p:cNvPicPr>
+          <p:nvPr/>
+        </p:nvPicPr>
+        <p:blipFill>
+          <a:blip r:embed="rId2" cstate="print">
+            <a:extLst>
+              <a:ext uri="{28A0092B-C50C-407E-A947-70E740481C1C}">
+                <a14:useLocalDpi xmlns:a14="http://schemas.microsoft.com/office/drawing/2010/main" val="0"/>
+              </a:ext>
+            </a:extLst>
+          </a:blip>
+          <a:stretch>
+            <a:fillRect/>
+          </a:stretch>
+        </p:blipFill>
+        <p:spPr>
+          <a:xfrm>
+            <a:off x="10588819" y="180259"/>
+            <a:ext cx="1477497" cy="990055"/>
+          </a:xfrm>
+          <a:prstGeom prst="rect">
+            <a:avLst/>
+          </a:prstGeom>
+        </p:spPr>
+      </p:pic>
+      <p:sp>
+        <p:nvSpPr>
+          <p:cNvPr id="5" name="Rectangle 4"/>
+          <p:cNvSpPr/>
+          <p:nvPr/>
+        </p:nvSpPr>
+        <p:spPr>
+          <a:xfrm>
+            <a:off x="7388524" y="6048722"/>
+            <a:ext cx="5827907" cy="1710096"/>
+          </a:xfrm>
+          <a:prstGeom prst="rect">
+            <a:avLst/>
+          </a:prstGeom>
+          <a:noFill/>
+          <a:ln w="12700" cap="flat" cmpd="sng" algn="ctr">
+            <a:noFill/>
+            <a:prstDash val="solid"/>
+            <a:miter lim="800000"/>
+          </a:ln>
+          <a:effectLst/>
+          <a:extLst>
+            <a:ext uri="{909E8E84-426E-40DD-AFC4-6F175D3DCCD1}">
+              <a14:hiddenFill xmlns:a14="http://schemas.microsoft.com/office/drawing/2010/main">
+                <a:solidFill>
+                  <a:schemeClr val="accent1"/>
+                </a:solidFill>
+              </a14:hiddenFill>
+            </a:ext>
+            <a:ext uri="{91240B29-F687-4F45-9708-019B960494DF}">
+              <a14:hiddenLine xmlns:a14="http://schemas.microsoft.com/office/drawing/2010/main" w="12700" cap="flat" cmpd="sng" algn="ctr">
+                <a:solidFill>
+                  <a:schemeClr val="accent1">
+                    <a:shade val="50000"/>
+                  </a:schemeClr>
+                </a:solidFill>
+                <a:prstDash val="solid"/>
+                <a:miter lim="800000"/>
+              </a14:hiddenLine>
+            </a:ext>
+          </a:extLst>
+        </p:spPr>
+        <p:style>
+          <a:lnRef idx="2">
+            <a:schemeClr val="accent1">
+              <a:shade val="50000"/>
+            </a:schemeClr>
+          </a:lnRef>
+          <a:fillRef idx="1">
+            <a:schemeClr val="accent1"/>
+          </a:fillRef>
+          <a:effectRef idx="0">
+            <a:schemeClr val="accent1"/>
+          </a:effectRef>
+          <a:fontRef idx="minor">
+            <a:schemeClr val="lt1"/>
+          </a:fontRef>
+        </p:style>
+        <p:txBody>
+          <a:bodyPr lIns="103239" tIns="45884" rIns="103239" bIns="45884" rtlCol="0" anchor="t"/>
+          <a:lstStyle/>
+          <a:p>
+            <a:pPr algn="ctr"/>
+            <a:endParaRPr lang="en-US" sz="3300" b="1" dirty="0">
+              <a:solidFill>
+                <a:srgbClr val="FF0000"/>
+              </a:solidFill>
+              <a:latin typeface="Calibri" panose="020F0502020204030204" pitchFamily="34" charset="0"/>
+            </a:endParaRPr>
+          </a:p>
+        </p:txBody>
+      </p:sp>
+      <p:sp>
+        <p:nvSpPr>
+          <p:cNvPr id="3" name="Rectangle 2"/>
+          <p:cNvSpPr/>
+          <p:nvPr/>
+        </p:nvSpPr>
+        <p:spPr>
+          <a:xfrm>
+            <a:off x="610401" y="576114"/>
+            <a:ext cx="11161240" cy="1107996"/>
+          </a:xfrm>
+          <a:prstGeom prst="rect">
+            <a:avLst/>
+          </a:prstGeom>
+          <a:noFill/>
+          <a:ln>
+            <a:noFill/>
+          </a:ln>
+        </p:spPr>
+        <p:style>
+          <a:lnRef idx="2">
+            <a:schemeClr val="dk1"/>
+          </a:lnRef>
+          <a:fillRef idx="1">
+            <a:schemeClr val="lt1"/>
+          </a:fillRef>
+          <a:effectRef idx="0">
+            <a:schemeClr val="dk1"/>
+          </a:effectRef>
+          <a:fontRef idx="minor">
+            <a:schemeClr val="dk1"/>
+          </a:fontRef>
+        </p:style>
+        <p:txBody>
+          <a:bodyPr wrap="square">
+            <a:spAutoFit/>
+          </a:bodyPr>
+          <a:lstStyle/>
+          <a:p>
+            <a:r>
+              <a:rPr lang="en-US" b="1" dirty="0" smtClean="0">
+                <a:solidFill>
+                  <a:srgbClr val="FF0000"/>
+                </a:solidFill>
+              </a:rPr>
+              <a:t>Multilevel  Inheritance</a:t>
+            </a:r>
+            <a:endParaRPr lang="en-US" b="1" dirty="0">
+              <a:solidFill>
+                <a:srgbClr val="FF0000"/>
+              </a:solidFill>
+            </a:endParaRPr>
+          </a:p>
+          <a:p>
+            <a:pPr marL="898398" lvl="1" indent="-342900">
+              <a:buFont typeface="Arial" pitchFamily="34" charset="0"/>
+              <a:buChar char="•"/>
+            </a:pPr>
+            <a:r>
+              <a:rPr lang="en-US" dirty="0"/>
+              <a:t>A class is derived from a derived class</a:t>
+            </a:r>
+          </a:p>
+          <a:p>
+            <a:pPr marL="898398" lvl="1" indent="-342900">
+              <a:buFont typeface="Arial" pitchFamily="34" charset="0"/>
+              <a:buChar char="•"/>
+            </a:pPr>
+            <a:r>
+              <a:rPr lang="en-US" dirty="0"/>
+              <a:t>Forms a </a:t>
+            </a:r>
+            <a:r>
+              <a:rPr lang="en-US" b="1" dirty="0"/>
+              <a:t>chain of inheritance</a:t>
+            </a:r>
+            <a:endParaRPr lang="en-US" dirty="0"/>
+          </a:p>
+        </p:txBody>
+      </p:sp>
+      <p:sp>
+        <p:nvSpPr>
+          <p:cNvPr id="2" name="Rectangle 1"/>
+          <p:cNvSpPr/>
+          <p:nvPr/>
+        </p:nvSpPr>
+        <p:spPr>
+          <a:xfrm>
+            <a:off x="899741" y="2812592"/>
+            <a:ext cx="4104456" cy="3477875"/>
+          </a:xfrm>
+          <a:prstGeom prst="rect">
+            <a:avLst/>
+          </a:prstGeom>
+        </p:spPr>
+        <p:style>
+          <a:lnRef idx="2">
+            <a:schemeClr val="accent4"/>
+          </a:lnRef>
+          <a:fillRef idx="1">
+            <a:schemeClr val="lt1"/>
+          </a:fillRef>
+          <a:effectRef idx="0">
+            <a:schemeClr val="accent4"/>
+          </a:effectRef>
+          <a:fontRef idx="minor">
+            <a:schemeClr val="dk1"/>
+          </a:fontRef>
+        </p:style>
+        <p:txBody>
+          <a:bodyPr wrap="square">
+            <a:spAutoFit/>
+          </a:bodyPr>
+          <a:lstStyle/>
+          <a:p>
+            <a:r>
+              <a:rPr lang="en-US" b="1" dirty="0">
+                <a:solidFill>
+                  <a:srgbClr val="0070C0"/>
+                </a:solidFill>
+              </a:rPr>
+              <a:t>class Animal {</a:t>
+            </a:r>
+          </a:p>
+          <a:p>
+            <a:r>
+              <a:rPr lang="en-US" b="1" dirty="0">
+                <a:solidFill>
+                  <a:srgbClr val="0070C0"/>
+                </a:solidFill>
+              </a:rPr>
+              <a:t>  void eat();</a:t>
+            </a:r>
+          </a:p>
+          <a:p>
+            <a:r>
+              <a:rPr lang="en-US" b="1" dirty="0">
+                <a:solidFill>
+                  <a:srgbClr val="0070C0"/>
+                </a:solidFill>
+              </a:rPr>
+              <a:t>};</a:t>
+            </a:r>
+          </a:p>
+          <a:p>
+            <a:endParaRPr lang="en-US" b="1" dirty="0"/>
+          </a:p>
+          <a:p>
+            <a:r>
+              <a:rPr lang="en-US" b="1" dirty="0">
+                <a:solidFill>
+                  <a:srgbClr val="7030A0"/>
+                </a:solidFill>
+              </a:rPr>
+              <a:t>class Dog : public Animal {</a:t>
+            </a:r>
+          </a:p>
+          <a:p>
+            <a:r>
+              <a:rPr lang="en-US" b="1" dirty="0">
+                <a:solidFill>
+                  <a:srgbClr val="7030A0"/>
+                </a:solidFill>
+              </a:rPr>
+              <a:t>  void bark();</a:t>
+            </a:r>
+          </a:p>
+          <a:p>
+            <a:r>
+              <a:rPr lang="en-US" b="1" dirty="0" smtClean="0">
+                <a:solidFill>
+                  <a:srgbClr val="7030A0"/>
+                </a:solidFill>
+              </a:rPr>
+              <a:t>};</a:t>
+            </a:r>
+          </a:p>
+          <a:p>
+            <a:r>
+              <a:rPr lang="en-US" b="1" dirty="0"/>
+              <a:t>class Puppy : public Dog {</a:t>
+            </a:r>
+          </a:p>
+          <a:p>
+            <a:r>
+              <a:rPr lang="en-US" b="1" dirty="0"/>
+              <a:t>  void weep();</a:t>
+            </a:r>
+          </a:p>
+          <a:p>
+            <a:r>
+              <a:rPr lang="en-US" b="1" dirty="0"/>
+              <a:t>};</a:t>
+            </a:r>
+          </a:p>
+        </p:txBody>
+      </p:sp>
+      <p:sp>
+        <p:nvSpPr>
+          <p:cNvPr id="6" name="Rectangle 5"/>
+          <p:cNvSpPr/>
+          <p:nvPr/>
+        </p:nvSpPr>
+        <p:spPr>
+          <a:xfrm>
+            <a:off x="755725" y="2379952"/>
+            <a:ext cx="6156325" cy="430887"/>
+          </a:xfrm>
+          <a:prstGeom prst="rect">
+            <a:avLst/>
+          </a:prstGeom>
+        </p:spPr>
+        <p:txBody>
+          <a:bodyPr>
+            <a:spAutoFit/>
+          </a:bodyPr>
+          <a:lstStyle/>
+          <a:p>
+            <a:r>
+              <a:rPr lang="en-US" b="1" dirty="0" smtClean="0"/>
+              <a:t>Example :</a:t>
+            </a:r>
+            <a:endParaRPr lang="en-US" b="1" dirty="0"/>
+          </a:p>
+        </p:txBody>
+      </p:sp>
+      <p:sp>
+        <p:nvSpPr>
+          <p:cNvPr id="7" name="AutoShape 2" descr="inheritence"/>
+          <p:cNvSpPr>
+            <a:spLocks noChangeAspect="1" noChangeArrowheads="1"/>
+          </p:cNvSpPr>
+          <p:nvPr/>
+        </p:nvSpPr>
+        <p:spPr bwMode="auto">
+          <a:xfrm>
+            <a:off x="155575" y="-144463"/>
+            <a:ext cx="304800" cy="304801"/>
+          </a:xfrm>
+          <a:prstGeom prst="rect">
+            <a:avLst/>
+          </a:prstGeom>
+          <a:noFill/>
+          <a:extLst>
+            <a:ext uri="{909E8E84-426E-40DD-AFC4-6F175D3DCCD1}">
+              <a14:hiddenFill xmlns:a14="http://schemas.microsoft.com/office/drawing/2010/main">
+                <a:solidFill>
+                  <a:srgbClr val="FFFFFF"/>
+                </a:solidFill>
+              </a14:hiddenFill>
+            </a:ext>
+          </a:extLst>
+        </p:spPr>
+        <p:txBody>
+          <a:bodyPr vert="horz" wrap="square" lIns="91440" tIns="45720" rIns="91440" bIns="45720" numCol="1" anchor="t" anchorCtr="0" compatLnSpc="1">
+            <a:prstTxWarp prst="textNoShape">
+              <a:avLst/>
+            </a:prstTxWarp>
+          </a:bodyPr>
+          <a:lstStyle/>
+          <a:p>
+            <a:endParaRPr lang="en-IN"/>
+          </a:p>
+        </p:txBody>
+      </p:sp>
+      <p:sp>
+        <p:nvSpPr>
+          <p:cNvPr id="8" name="AutoShape 4" descr="inheritence"/>
+          <p:cNvSpPr>
+            <a:spLocks noChangeAspect="1" noChangeArrowheads="1"/>
+          </p:cNvSpPr>
+          <p:nvPr/>
+        </p:nvSpPr>
+        <p:spPr bwMode="auto">
+          <a:xfrm>
+            <a:off x="307975" y="7937"/>
+            <a:ext cx="304800" cy="304801"/>
+          </a:xfrm>
+          <a:prstGeom prst="rect">
+            <a:avLst/>
+          </a:prstGeom>
+          <a:noFill/>
+          <a:extLst>
+            <a:ext uri="{909E8E84-426E-40DD-AFC4-6F175D3DCCD1}">
+              <a14:hiddenFill xmlns:a14="http://schemas.microsoft.com/office/drawing/2010/main">
+                <a:solidFill>
+                  <a:srgbClr val="FFFFFF"/>
+                </a:solidFill>
+              </a14:hiddenFill>
+            </a:ext>
+          </a:extLst>
+        </p:spPr>
+        <p:txBody>
+          <a:bodyPr vert="horz" wrap="square" lIns="91440" tIns="45720" rIns="91440" bIns="45720" numCol="1" anchor="t" anchorCtr="0" compatLnSpc="1">
+            <a:prstTxWarp prst="textNoShape">
+              <a:avLst/>
+            </a:prstTxWarp>
+          </a:bodyPr>
+          <a:lstStyle/>
+          <a:p>
+            <a:endParaRPr lang="en-IN"/>
+          </a:p>
+        </p:txBody>
+      </p:sp>
+      <p:sp>
+        <p:nvSpPr>
+          <p:cNvPr id="9" name="AutoShape 6" descr="inheritence"/>
+          <p:cNvSpPr>
+            <a:spLocks noChangeAspect="1" noChangeArrowheads="1"/>
+          </p:cNvSpPr>
+          <p:nvPr/>
+        </p:nvSpPr>
+        <p:spPr bwMode="auto">
+          <a:xfrm>
+            <a:off x="460375" y="160337"/>
+            <a:ext cx="304800" cy="304801"/>
+          </a:xfrm>
+          <a:prstGeom prst="rect">
+            <a:avLst/>
+          </a:prstGeom>
+          <a:noFill/>
+          <a:extLst>
+            <a:ext uri="{909E8E84-426E-40DD-AFC4-6F175D3DCCD1}">
+              <a14:hiddenFill xmlns:a14="http://schemas.microsoft.com/office/drawing/2010/main">
+                <a:solidFill>
+                  <a:srgbClr val="FFFFFF"/>
+                </a:solidFill>
+              </a14:hiddenFill>
+            </a:ext>
+          </a:extLst>
+        </p:spPr>
+        <p:txBody>
+          <a:bodyPr vert="horz" wrap="square" lIns="91440" tIns="45720" rIns="91440" bIns="45720" numCol="1" anchor="t" anchorCtr="0" compatLnSpc="1">
+            <a:prstTxWarp prst="textNoShape">
+              <a:avLst/>
+            </a:prstTxWarp>
+          </a:bodyPr>
+          <a:lstStyle/>
+          <a:p>
+            <a:endParaRPr lang="en-IN"/>
+          </a:p>
+        </p:txBody>
+      </p:sp>
+      <p:sp>
+        <p:nvSpPr>
+          <p:cNvPr id="11" name="TextBox 10"/>
+          <p:cNvSpPr txBox="1"/>
+          <p:nvPr/>
+        </p:nvSpPr>
+        <p:spPr>
+          <a:xfrm>
+            <a:off x="7614457" y="2577951"/>
+            <a:ext cx="2520280" cy="769441"/>
+          </a:xfrm>
+          <a:prstGeom prst="rect">
+            <a:avLst/>
+          </a:prstGeom>
+        </p:spPr>
+        <p:style>
+          <a:lnRef idx="0">
+            <a:schemeClr val="accent1"/>
+          </a:lnRef>
+          <a:fillRef idx="3">
+            <a:schemeClr val="accent1"/>
+          </a:fillRef>
+          <a:effectRef idx="3">
+            <a:schemeClr val="accent1"/>
+          </a:effectRef>
+          <a:fontRef idx="minor">
+            <a:schemeClr val="lt1"/>
+          </a:fontRef>
+        </p:style>
+        <p:txBody>
+          <a:bodyPr wrap="square" rtlCol="0">
+            <a:spAutoFit/>
+          </a:bodyPr>
+          <a:lstStyle/>
+          <a:p>
+            <a:pPr algn="ctr"/>
+            <a:r>
+              <a:rPr lang="en-US" sz="4400" b="1" dirty="0" smtClean="0"/>
+              <a:t>Animal</a:t>
+            </a:r>
+            <a:endParaRPr lang="en-IN" sz="4400" b="1" dirty="0"/>
+          </a:p>
+        </p:txBody>
+      </p:sp>
+      <p:sp>
+        <p:nvSpPr>
+          <p:cNvPr id="12" name="TextBox 11"/>
+          <p:cNvSpPr txBox="1"/>
+          <p:nvPr/>
+        </p:nvSpPr>
+        <p:spPr>
+          <a:xfrm>
+            <a:off x="7614457" y="4137898"/>
+            <a:ext cx="2520280" cy="769441"/>
+          </a:xfrm>
+          <a:prstGeom prst="rect">
+            <a:avLst/>
+          </a:prstGeom>
+        </p:spPr>
+        <p:style>
+          <a:lnRef idx="0">
+            <a:schemeClr val="accent5"/>
+          </a:lnRef>
+          <a:fillRef idx="3">
+            <a:schemeClr val="accent5"/>
+          </a:fillRef>
+          <a:effectRef idx="3">
+            <a:schemeClr val="accent5"/>
+          </a:effectRef>
+          <a:fontRef idx="minor">
+            <a:schemeClr val="lt1"/>
+          </a:fontRef>
+        </p:style>
+        <p:txBody>
+          <a:bodyPr wrap="square" rtlCol="0">
+            <a:spAutoFit/>
+          </a:bodyPr>
+          <a:lstStyle/>
+          <a:p>
+            <a:pPr algn="ctr"/>
+            <a:r>
+              <a:rPr lang="en-US" sz="4400" b="1" dirty="0" smtClean="0"/>
+              <a:t>Dog</a:t>
+            </a:r>
+            <a:endParaRPr lang="en-IN" sz="4400" b="1" dirty="0"/>
+          </a:p>
+        </p:txBody>
+      </p:sp>
+      <p:cxnSp>
+        <p:nvCxnSpPr>
+          <p:cNvPr id="14" name="Straight Arrow Connector 13"/>
+          <p:cNvCxnSpPr/>
+          <p:nvPr/>
+        </p:nvCxnSpPr>
+        <p:spPr>
+          <a:xfrm>
+            <a:off x="8874597" y="3347392"/>
+            <a:ext cx="0" cy="790506"/>
+          </a:xfrm>
+          <a:prstGeom prst="straightConnector1">
+            <a:avLst/>
+          </a:prstGeom>
+          <a:ln>
+            <a:tailEnd type="arrow"/>
+          </a:ln>
+        </p:spPr>
+        <p:style>
+          <a:lnRef idx="3">
+            <a:schemeClr val="dk1"/>
+          </a:lnRef>
+          <a:fillRef idx="0">
+            <a:schemeClr val="dk1"/>
+          </a:fillRef>
+          <a:effectRef idx="2">
+            <a:schemeClr val="dk1"/>
+          </a:effectRef>
+          <a:fontRef idx="minor">
+            <a:schemeClr val="tx1"/>
+          </a:fontRef>
+        </p:style>
+      </p:cxnSp>
+      <p:sp>
+        <p:nvSpPr>
+          <p:cNvPr id="15" name="TextBox 14"/>
+          <p:cNvSpPr txBox="1"/>
+          <p:nvPr/>
+        </p:nvSpPr>
+        <p:spPr>
+          <a:xfrm>
+            <a:off x="10263602" y="2792635"/>
+            <a:ext cx="1584176" cy="430887"/>
+          </a:xfrm>
+          <a:prstGeom prst="rect">
+            <a:avLst/>
+          </a:prstGeom>
+          <a:noFill/>
+        </p:spPr>
+        <p:txBody>
+          <a:bodyPr wrap="square" rtlCol="0">
+            <a:spAutoFit/>
+          </a:bodyPr>
+          <a:lstStyle/>
+          <a:p>
+            <a:r>
+              <a:rPr lang="en-US" b="1" dirty="0" smtClean="0"/>
+              <a:t>(Base)</a:t>
+            </a:r>
+            <a:endParaRPr lang="en-IN" b="1" dirty="0"/>
+          </a:p>
+        </p:txBody>
+      </p:sp>
+      <p:sp>
+        <p:nvSpPr>
+          <p:cNvPr id="16" name="Rectangle 15"/>
+          <p:cNvSpPr/>
+          <p:nvPr/>
+        </p:nvSpPr>
+        <p:spPr>
+          <a:xfrm>
+            <a:off x="10263602" y="4307174"/>
+            <a:ext cx="1120820" cy="430887"/>
+          </a:xfrm>
+          <a:prstGeom prst="rect">
+            <a:avLst/>
+          </a:prstGeom>
+        </p:spPr>
+        <p:txBody>
+          <a:bodyPr wrap="none">
+            <a:spAutoFit/>
+          </a:bodyPr>
+          <a:lstStyle/>
+          <a:p>
+            <a:r>
+              <a:rPr lang="en-US" b="1" dirty="0" smtClean="0"/>
+              <a:t>(Base 2)</a:t>
+            </a:r>
+            <a:endParaRPr lang="en-IN" b="1" dirty="0"/>
+          </a:p>
+        </p:txBody>
+      </p:sp>
+      <p:sp>
+        <p:nvSpPr>
+          <p:cNvPr id="17" name="TextBox 16"/>
+          <p:cNvSpPr txBox="1"/>
+          <p:nvPr/>
+        </p:nvSpPr>
+        <p:spPr>
+          <a:xfrm>
+            <a:off x="7637814" y="5680967"/>
+            <a:ext cx="2520280" cy="769441"/>
+          </a:xfrm>
+          <a:prstGeom prst="rect">
+            <a:avLst/>
+          </a:prstGeom>
+        </p:spPr>
+        <p:style>
+          <a:lnRef idx="0">
+            <a:schemeClr val="accent2"/>
+          </a:lnRef>
+          <a:fillRef idx="3">
+            <a:schemeClr val="accent2"/>
+          </a:fillRef>
+          <a:effectRef idx="3">
+            <a:schemeClr val="accent2"/>
+          </a:effectRef>
+          <a:fontRef idx="minor">
+            <a:schemeClr val="lt1"/>
+          </a:fontRef>
+        </p:style>
+        <p:txBody>
+          <a:bodyPr wrap="square" rtlCol="0">
+            <a:spAutoFit/>
+          </a:bodyPr>
+          <a:lstStyle/>
+          <a:p>
+            <a:pPr algn="ctr"/>
+            <a:r>
+              <a:rPr lang="en-US" sz="4400" b="1" dirty="0" smtClean="0"/>
+              <a:t>Puppy</a:t>
+            </a:r>
+            <a:endParaRPr lang="en-IN" sz="4400" b="1" dirty="0"/>
+          </a:p>
+        </p:txBody>
+      </p:sp>
+      <p:cxnSp>
+        <p:nvCxnSpPr>
+          <p:cNvPr id="18" name="Straight Arrow Connector 17"/>
+          <p:cNvCxnSpPr/>
+          <p:nvPr/>
+        </p:nvCxnSpPr>
+        <p:spPr>
+          <a:xfrm>
+            <a:off x="8874597" y="4890461"/>
+            <a:ext cx="0" cy="790506"/>
+          </a:xfrm>
+          <a:prstGeom prst="straightConnector1">
+            <a:avLst/>
+          </a:prstGeom>
+          <a:ln>
+            <a:tailEnd type="arrow"/>
+          </a:ln>
+        </p:spPr>
+        <p:style>
+          <a:lnRef idx="3">
+            <a:schemeClr val="dk1"/>
+          </a:lnRef>
+          <a:fillRef idx="0">
+            <a:schemeClr val="dk1"/>
+          </a:fillRef>
+          <a:effectRef idx="2">
+            <a:schemeClr val="dk1"/>
+          </a:effectRef>
+          <a:fontRef idx="minor">
+            <a:schemeClr val="tx1"/>
+          </a:fontRef>
+        </p:style>
+      </p:cxnSp>
+      <p:sp>
+        <p:nvSpPr>
+          <p:cNvPr id="19" name="Rectangle 18"/>
+          <p:cNvSpPr/>
+          <p:nvPr/>
+        </p:nvSpPr>
+        <p:spPr>
+          <a:xfrm>
+            <a:off x="10283511" y="5850243"/>
+            <a:ext cx="949299" cy="430887"/>
+          </a:xfrm>
+          <a:prstGeom prst="rect">
+            <a:avLst/>
+          </a:prstGeom>
+        </p:spPr>
+        <p:txBody>
+          <a:bodyPr wrap="none">
+            <a:spAutoFit/>
+          </a:bodyPr>
+          <a:lstStyle/>
+          <a:p>
+            <a:r>
+              <a:rPr lang="en-US" b="1" dirty="0" smtClean="0"/>
+              <a:t>(Child)</a:t>
+            </a:r>
+            <a:endParaRPr lang="en-IN" b="1" dirty="0"/>
+          </a:p>
+        </p:txBody>
+      </p:sp>
+    </p:spTree>
+    <p:extLst>
+      <p:ext uri="{BB962C8B-B14F-4D97-AF65-F5344CB8AC3E}">
+        <p14:creationId xmlns:p14="http://schemas.microsoft.com/office/powerpoint/2010/main" val="2964349644"/>
+      </p:ext>
+    </p:extLst>
+  </p:cSld>
+  <p:clrMapOvr>
+    <a:masterClrMapping/>
+  </p:clrMapOvr>
+  <p:timing>
+    <p:tnLst>
+      <p:par>
+        <p:cTn id="1" dur="indefinite" restart="never" nodeType="tmRoot"/>
+      </p:par>
+    </p:tnLst>
+  </p:timing>
+</p:sld>
+</file>
+
+<file path=ppt/slides/slide24.xml><?xml version="1.0" encoding="utf-8"?>
+<p:sld xmlns:a="http://schemas.openxmlformats.org/drawingml/2006/main" xmlns:r="http://schemas.openxmlformats.org/officeDocument/2006/relationships" xmlns:p="http://schemas.openxmlformats.org/presentationml/2006/main">
+  <p:cSld>
+    <p:spTree>
+      <p:nvGrpSpPr>
+        <p:cNvPr id="1" name=""/>
+        <p:cNvGrpSpPr/>
+        <p:nvPr/>
+      </p:nvGrpSpPr>
+      <p:grpSpPr>
+        <a:xfrm>
+          <a:off x="0" y="0"/>
+          <a:ext cx="0" cy="0"/>
+          <a:chOff x="0" y="0"/>
+          <a:chExt cx="0" cy="0"/>
+        </a:xfrm>
+      </p:grpSpPr>
+      <p:pic>
+        <p:nvPicPr>
+          <p:cNvPr id="4" name="Picture 3"/>
+          <p:cNvPicPr>
+            <a:picLocks/>
+          </p:cNvPicPr>
+          <p:nvPr/>
+        </p:nvPicPr>
+        <p:blipFill>
+          <a:blip r:embed="rId2" cstate="print">
+            <a:extLst>
+              <a:ext uri="{28A0092B-C50C-407E-A947-70E740481C1C}">
+                <a14:useLocalDpi xmlns:a14="http://schemas.microsoft.com/office/drawing/2010/main" val="0"/>
+              </a:ext>
+            </a:extLst>
+          </a:blip>
+          <a:stretch>
+            <a:fillRect/>
+          </a:stretch>
+        </p:blipFill>
+        <p:spPr>
+          <a:xfrm>
+            <a:off x="10588819" y="180259"/>
+            <a:ext cx="1477497" cy="990055"/>
+          </a:xfrm>
+          <a:prstGeom prst="rect">
+            <a:avLst/>
+          </a:prstGeom>
+        </p:spPr>
+      </p:pic>
+      <p:sp>
+        <p:nvSpPr>
+          <p:cNvPr id="5" name="Rectangle 4"/>
+          <p:cNvSpPr/>
+          <p:nvPr/>
+        </p:nvSpPr>
+        <p:spPr>
+          <a:xfrm>
+            <a:off x="7388524" y="6048722"/>
+            <a:ext cx="5827907" cy="1710096"/>
+          </a:xfrm>
+          <a:prstGeom prst="rect">
+            <a:avLst/>
+          </a:prstGeom>
+          <a:noFill/>
+          <a:ln w="12700" cap="flat" cmpd="sng" algn="ctr">
+            <a:noFill/>
+            <a:prstDash val="solid"/>
+            <a:miter lim="800000"/>
+          </a:ln>
+          <a:effectLst/>
+          <a:extLst>
+            <a:ext uri="{909E8E84-426E-40DD-AFC4-6F175D3DCCD1}">
+              <a14:hiddenFill xmlns:a14="http://schemas.microsoft.com/office/drawing/2010/main">
+                <a:solidFill>
+                  <a:schemeClr val="accent1"/>
+                </a:solidFill>
+              </a14:hiddenFill>
+            </a:ext>
+            <a:ext uri="{91240B29-F687-4F45-9708-019B960494DF}">
+              <a14:hiddenLine xmlns:a14="http://schemas.microsoft.com/office/drawing/2010/main" w="12700" cap="flat" cmpd="sng" algn="ctr">
+                <a:solidFill>
+                  <a:schemeClr val="accent1">
+                    <a:shade val="50000"/>
+                  </a:schemeClr>
+                </a:solidFill>
+                <a:prstDash val="solid"/>
+                <a:miter lim="800000"/>
+              </a14:hiddenLine>
+            </a:ext>
+          </a:extLst>
+        </p:spPr>
+        <p:style>
+          <a:lnRef idx="2">
+            <a:schemeClr val="accent1">
+              <a:shade val="50000"/>
+            </a:schemeClr>
+          </a:lnRef>
+          <a:fillRef idx="1">
+            <a:schemeClr val="accent1"/>
+          </a:fillRef>
+          <a:effectRef idx="0">
+            <a:schemeClr val="accent1"/>
+          </a:effectRef>
+          <a:fontRef idx="minor">
+            <a:schemeClr val="lt1"/>
+          </a:fontRef>
+        </p:style>
+        <p:txBody>
+          <a:bodyPr lIns="103239" tIns="45884" rIns="103239" bIns="45884" rtlCol="0" anchor="t"/>
+          <a:lstStyle/>
+          <a:p>
+            <a:pPr algn="ctr"/>
+            <a:endParaRPr lang="en-US" sz="3300" b="1" dirty="0">
+              <a:solidFill>
+                <a:srgbClr val="FF0000"/>
+              </a:solidFill>
+              <a:latin typeface="Calibri" panose="020F0502020204030204" pitchFamily="34" charset="0"/>
+            </a:endParaRPr>
+          </a:p>
+        </p:txBody>
+      </p:sp>
+      <p:sp>
+        <p:nvSpPr>
+          <p:cNvPr id="3" name="Rectangle 2"/>
+          <p:cNvSpPr/>
+          <p:nvPr/>
+        </p:nvSpPr>
+        <p:spPr>
+          <a:xfrm>
+            <a:off x="610401" y="576114"/>
+            <a:ext cx="11161240" cy="1107996"/>
+          </a:xfrm>
+          <a:prstGeom prst="rect">
+            <a:avLst/>
+          </a:prstGeom>
+          <a:noFill/>
+          <a:ln>
+            <a:noFill/>
+          </a:ln>
+        </p:spPr>
+        <p:style>
+          <a:lnRef idx="2">
+            <a:schemeClr val="dk1"/>
+          </a:lnRef>
+          <a:fillRef idx="1">
+            <a:schemeClr val="lt1"/>
+          </a:fillRef>
+          <a:effectRef idx="0">
+            <a:schemeClr val="dk1"/>
+          </a:effectRef>
+          <a:fontRef idx="minor">
+            <a:schemeClr val="dk1"/>
+          </a:fontRef>
+        </p:style>
+        <p:txBody>
+          <a:bodyPr wrap="square">
+            <a:spAutoFit/>
+          </a:bodyPr>
+          <a:lstStyle/>
+          <a:p>
+            <a:r>
+              <a:rPr lang="en-US" b="1" dirty="0" smtClean="0">
+                <a:solidFill>
+                  <a:srgbClr val="FF0000"/>
+                </a:solidFill>
+              </a:rPr>
+              <a:t>Multiple Inheritance</a:t>
+            </a:r>
+            <a:endParaRPr lang="en-US" b="1" dirty="0">
+              <a:solidFill>
+                <a:srgbClr val="FF0000"/>
+              </a:solidFill>
+            </a:endParaRPr>
+          </a:p>
+          <a:p>
+            <a:pPr marL="898398" lvl="1" indent="-342900">
+              <a:buFont typeface="Arial" pitchFamily="34" charset="0"/>
+              <a:buChar char="•"/>
+            </a:pPr>
+            <a:r>
+              <a:rPr lang="en-US" dirty="0"/>
+              <a:t>A class inherits from </a:t>
+            </a:r>
+            <a:r>
+              <a:rPr lang="en-US" b="1" dirty="0"/>
+              <a:t>more than one base class</a:t>
+            </a:r>
+            <a:endParaRPr lang="en-US" dirty="0"/>
+          </a:p>
+          <a:p>
+            <a:pPr marL="898398" lvl="1" indent="-342900">
+              <a:buFont typeface="Arial" pitchFamily="34" charset="0"/>
+              <a:buChar char="•"/>
+            </a:pPr>
+            <a:r>
+              <a:rPr lang="en-US" dirty="0"/>
+              <a:t>Can lead to </a:t>
+            </a:r>
+            <a:r>
+              <a:rPr lang="en-US" b="1" dirty="0"/>
+              <a:t>ambiguity</a:t>
+            </a:r>
+            <a:endParaRPr lang="en-US" dirty="0"/>
+          </a:p>
+        </p:txBody>
+      </p:sp>
+      <p:sp>
+        <p:nvSpPr>
+          <p:cNvPr id="2" name="Rectangle 1"/>
+          <p:cNvSpPr/>
+          <p:nvPr/>
+        </p:nvSpPr>
+        <p:spPr>
+          <a:xfrm>
+            <a:off x="899741" y="2812592"/>
+            <a:ext cx="4104456" cy="3816429"/>
+          </a:xfrm>
+          <a:prstGeom prst="rect">
+            <a:avLst/>
+          </a:prstGeom>
+        </p:spPr>
+        <p:style>
+          <a:lnRef idx="2">
+            <a:schemeClr val="accent4"/>
+          </a:lnRef>
+          <a:fillRef idx="1">
+            <a:schemeClr val="lt1"/>
+          </a:fillRef>
+          <a:effectRef idx="0">
+            <a:schemeClr val="accent4"/>
+          </a:effectRef>
+          <a:fontRef idx="minor">
+            <a:schemeClr val="dk1"/>
+          </a:fontRef>
+        </p:style>
+        <p:txBody>
+          <a:bodyPr wrap="square">
+            <a:spAutoFit/>
+          </a:bodyPr>
+          <a:lstStyle/>
+          <a:p>
+            <a:r>
+              <a:rPr lang="en-US" b="1" dirty="0">
+                <a:solidFill>
+                  <a:schemeClr val="tx1"/>
+                </a:solidFill>
+              </a:rPr>
+              <a:t>class A {</a:t>
+            </a:r>
+          </a:p>
+          <a:p>
+            <a:r>
+              <a:rPr lang="en-US" b="1" dirty="0">
+                <a:solidFill>
+                  <a:schemeClr val="tx1"/>
+                </a:solidFill>
+              </a:rPr>
+              <a:t>  void show();</a:t>
+            </a:r>
+          </a:p>
+          <a:p>
+            <a:r>
+              <a:rPr lang="en-US" b="1" dirty="0">
+                <a:solidFill>
+                  <a:schemeClr val="tx1"/>
+                </a:solidFill>
+              </a:rPr>
+              <a:t>};</a:t>
+            </a:r>
+          </a:p>
+          <a:p>
+            <a:endParaRPr lang="en-US" b="1" dirty="0">
+              <a:solidFill>
+                <a:srgbClr val="0070C0"/>
+              </a:solidFill>
+            </a:endParaRPr>
+          </a:p>
+          <a:p>
+            <a:r>
+              <a:rPr lang="en-US" b="1" dirty="0">
+                <a:solidFill>
+                  <a:srgbClr val="FF0000"/>
+                </a:solidFill>
+              </a:rPr>
+              <a:t>class B {</a:t>
+            </a:r>
+          </a:p>
+          <a:p>
+            <a:r>
+              <a:rPr lang="en-US" b="1" dirty="0">
+                <a:solidFill>
+                  <a:srgbClr val="FF0000"/>
+                </a:solidFill>
+              </a:rPr>
+              <a:t>  void display();</a:t>
+            </a:r>
+          </a:p>
+          <a:p>
+            <a:r>
+              <a:rPr lang="en-US" b="1" dirty="0">
+                <a:solidFill>
+                  <a:srgbClr val="FF0000"/>
+                </a:solidFill>
+              </a:rPr>
+              <a:t>};</a:t>
+            </a:r>
+          </a:p>
+          <a:p>
+            <a:endParaRPr lang="en-US" b="1" dirty="0">
+              <a:solidFill>
+                <a:srgbClr val="0070C0"/>
+              </a:solidFill>
+            </a:endParaRPr>
+          </a:p>
+          <a:p>
+            <a:r>
+              <a:rPr lang="en-US" b="1" dirty="0">
+                <a:solidFill>
+                  <a:srgbClr val="0070C0"/>
+                </a:solidFill>
+              </a:rPr>
+              <a:t>class C : public A, public B {</a:t>
+            </a:r>
+          </a:p>
+          <a:p>
+            <a:r>
+              <a:rPr lang="en-US" b="1" dirty="0">
+                <a:solidFill>
+                  <a:srgbClr val="0070C0"/>
+                </a:solidFill>
+              </a:rPr>
+              <a:t>  // inherits from both</a:t>
+            </a:r>
+          </a:p>
+          <a:p>
+            <a:r>
+              <a:rPr lang="en-US" b="1" dirty="0">
+                <a:solidFill>
+                  <a:srgbClr val="0070C0"/>
+                </a:solidFill>
+              </a:rPr>
+              <a:t>};</a:t>
+            </a:r>
+          </a:p>
+        </p:txBody>
+      </p:sp>
+      <p:sp>
+        <p:nvSpPr>
+          <p:cNvPr id="6" name="Rectangle 5"/>
+          <p:cNvSpPr/>
+          <p:nvPr/>
+        </p:nvSpPr>
+        <p:spPr>
+          <a:xfrm>
+            <a:off x="755725" y="2379952"/>
+            <a:ext cx="6156325" cy="430887"/>
+          </a:xfrm>
+          <a:prstGeom prst="rect">
+            <a:avLst/>
+          </a:prstGeom>
+        </p:spPr>
+        <p:txBody>
+          <a:bodyPr>
+            <a:spAutoFit/>
+          </a:bodyPr>
+          <a:lstStyle/>
+          <a:p>
+            <a:r>
+              <a:rPr lang="en-US" b="1" dirty="0" smtClean="0"/>
+              <a:t>Example :</a:t>
+            </a:r>
+            <a:endParaRPr lang="en-US" b="1" dirty="0"/>
+          </a:p>
+        </p:txBody>
+      </p:sp>
+      <p:sp>
+        <p:nvSpPr>
+          <p:cNvPr id="7" name="AutoShape 2" descr="inheritence"/>
+          <p:cNvSpPr>
+            <a:spLocks noChangeAspect="1" noChangeArrowheads="1"/>
+          </p:cNvSpPr>
+          <p:nvPr/>
+        </p:nvSpPr>
+        <p:spPr bwMode="auto">
+          <a:xfrm>
+            <a:off x="155575" y="-144463"/>
+            <a:ext cx="304800" cy="304801"/>
+          </a:xfrm>
+          <a:prstGeom prst="rect">
+            <a:avLst/>
+          </a:prstGeom>
+          <a:noFill/>
+          <a:extLst>
+            <a:ext uri="{909E8E84-426E-40DD-AFC4-6F175D3DCCD1}">
+              <a14:hiddenFill xmlns:a14="http://schemas.microsoft.com/office/drawing/2010/main">
+                <a:solidFill>
+                  <a:srgbClr val="FFFFFF"/>
+                </a:solidFill>
+              </a14:hiddenFill>
+            </a:ext>
+          </a:extLst>
+        </p:spPr>
+        <p:txBody>
+          <a:bodyPr vert="horz" wrap="square" lIns="91440" tIns="45720" rIns="91440" bIns="45720" numCol="1" anchor="t" anchorCtr="0" compatLnSpc="1">
+            <a:prstTxWarp prst="textNoShape">
+              <a:avLst/>
+            </a:prstTxWarp>
+          </a:bodyPr>
+          <a:lstStyle/>
+          <a:p>
+            <a:endParaRPr lang="en-IN"/>
+          </a:p>
+        </p:txBody>
+      </p:sp>
+      <p:sp>
+        <p:nvSpPr>
+          <p:cNvPr id="8" name="AutoShape 4" descr="inheritence"/>
+          <p:cNvSpPr>
+            <a:spLocks noChangeAspect="1" noChangeArrowheads="1"/>
+          </p:cNvSpPr>
+          <p:nvPr/>
+        </p:nvSpPr>
+        <p:spPr bwMode="auto">
+          <a:xfrm>
+            <a:off x="307975" y="7937"/>
+            <a:ext cx="304800" cy="304801"/>
+          </a:xfrm>
+          <a:prstGeom prst="rect">
+            <a:avLst/>
+          </a:prstGeom>
+          <a:noFill/>
+          <a:extLst>
+            <a:ext uri="{909E8E84-426E-40DD-AFC4-6F175D3DCCD1}">
+              <a14:hiddenFill xmlns:a14="http://schemas.microsoft.com/office/drawing/2010/main">
+                <a:solidFill>
+                  <a:srgbClr val="FFFFFF"/>
+                </a:solidFill>
+              </a14:hiddenFill>
+            </a:ext>
+          </a:extLst>
+        </p:spPr>
+        <p:txBody>
+          <a:bodyPr vert="horz" wrap="square" lIns="91440" tIns="45720" rIns="91440" bIns="45720" numCol="1" anchor="t" anchorCtr="0" compatLnSpc="1">
+            <a:prstTxWarp prst="textNoShape">
+              <a:avLst/>
+            </a:prstTxWarp>
+          </a:bodyPr>
+          <a:lstStyle/>
+          <a:p>
+            <a:endParaRPr lang="en-IN"/>
+          </a:p>
+        </p:txBody>
+      </p:sp>
+      <p:sp>
+        <p:nvSpPr>
+          <p:cNvPr id="9" name="AutoShape 6" descr="inheritence"/>
+          <p:cNvSpPr>
+            <a:spLocks noChangeAspect="1" noChangeArrowheads="1"/>
+          </p:cNvSpPr>
+          <p:nvPr/>
+        </p:nvSpPr>
+        <p:spPr bwMode="auto">
+          <a:xfrm>
+            <a:off x="460375" y="160337"/>
+            <a:ext cx="304800" cy="304801"/>
+          </a:xfrm>
+          <a:prstGeom prst="rect">
+            <a:avLst/>
+          </a:prstGeom>
+          <a:noFill/>
+          <a:extLst>
+            <a:ext uri="{909E8E84-426E-40DD-AFC4-6F175D3DCCD1}">
+              <a14:hiddenFill xmlns:a14="http://schemas.microsoft.com/office/drawing/2010/main">
+                <a:solidFill>
+                  <a:srgbClr val="FFFFFF"/>
+                </a:solidFill>
+              </a14:hiddenFill>
+            </a:ext>
+          </a:extLst>
+        </p:spPr>
+        <p:txBody>
+          <a:bodyPr vert="horz" wrap="square" lIns="91440" tIns="45720" rIns="91440" bIns="45720" numCol="1" anchor="t" anchorCtr="0" compatLnSpc="1">
+            <a:prstTxWarp prst="textNoShape">
+              <a:avLst/>
+            </a:prstTxWarp>
+          </a:bodyPr>
+          <a:lstStyle/>
+          <a:p>
+            <a:endParaRPr lang="en-IN"/>
+          </a:p>
+        </p:txBody>
+      </p:sp>
+      <p:sp>
+        <p:nvSpPr>
+          <p:cNvPr id="11" name="TextBox 10"/>
+          <p:cNvSpPr txBox="1"/>
+          <p:nvPr/>
+        </p:nvSpPr>
+        <p:spPr>
+          <a:xfrm>
+            <a:off x="8919875" y="2830729"/>
+            <a:ext cx="2520280" cy="769441"/>
+          </a:xfrm>
+          <a:prstGeom prst="rect">
+            <a:avLst/>
+          </a:prstGeom>
+        </p:spPr>
+        <p:style>
+          <a:lnRef idx="0">
+            <a:schemeClr val="accent1"/>
+          </a:lnRef>
+          <a:fillRef idx="3">
+            <a:schemeClr val="accent1"/>
+          </a:fillRef>
+          <a:effectRef idx="3">
+            <a:schemeClr val="accent1"/>
+          </a:effectRef>
+          <a:fontRef idx="minor">
+            <a:schemeClr val="lt1"/>
+          </a:fontRef>
+        </p:style>
+        <p:txBody>
+          <a:bodyPr wrap="square" rtlCol="0">
+            <a:spAutoFit/>
+          </a:bodyPr>
+          <a:lstStyle/>
+          <a:p>
+            <a:pPr algn="ctr"/>
+            <a:r>
+              <a:rPr lang="en-US" sz="4400" b="1" dirty="0" smtClean="0"/>
+              <a:t>B</a:t>
+            </a:r>
+            <a:endParaRPr lang="en-IN" sz="4400" b="1" dirty="0"/>
+          </a:p>
+        </p:txBody>
+      </p:sp>
+      <p:sp>
+        <p:nvSpPr>
+          <p:cNvPr id="12" name="TextBox 11"/>
+          <p:cNvSpPr txBox="1"/>
+          <p:nvPr/>
+        </p:nvSpPr>
+        <p:spPr>
+          <a:xfrm>
+            <a:off x="5508254" y="2791713"/>
+            <a:ext cx="2520280" cy="769441"/>
+          </a:xfrm>
+          <a:prstGeom prst="rect">
+            <a:avLst/>
+          </a:prstGeom>
+        </p:spPr>
+        <p:style>
+          <a:lnRef idx="0">
+            <a:schemeClr val="accent5"/>
+          </a:lnRef>
+          <a:fillRef idx="3">
+            <a:schemeClr val="accent5"/>
+          </a:fillRef>
+          <a:effectRef idx="3">
+            <a:schemeClr val="accent5"/>
+          </a:effectRef>
+          <a:fontRef idx="minor">
+            <a:schemeClr val="lt1"/>
+          </a:fontRef>
+        </p:style>
+        <p:txBody>
+          <a:bodyPr wrap="square" rtlCol="0">
+            <a:spAutoFit/>
+          </a:bodyPr>
+          <a:lstStyle/>
+          <a:p>
+            <a:pPr algn="ctr"/>
+            <a:r>
+              <a:rPr lang="en-US" sz="4400" b="1" dirty="0" smtClean="0"/>
+              <a:t>A</a:t>
+            </a:r>
+            <a:endParaRPr lang="en-IN" sz="4400" b="1" dirty="0"/>
+          </a:p>
+        </p:txBody>
+      </p:sp>
+      <p:cxnSp>
+        <p:nvCxnSpPr>
+          <p:cNvPr id="14" name="Straight Arrow Connector 13"/>
+          <p:cNvCxnSpPr>
+            <a:stCxn id="11" idx="2"/>
+          </p:cNvCxnSpPr>
+          <p:nvPr/>
+        </p:nvCxnSpPr>
+        <p:spPr>
+          <a:xfrm flipH="1">
+            <a:off x="8771786" y="3600170"/>
+            <a:ext cx="1408229" cy="1120636"/>
+          </a:xfrm>
+          <a:prstGeom prst="straightConnector1">
+            <a:avLst/>
+          </a:prstGeom>
+          <a:ln>
+            <a:tailEnd type="arrow"/>
+          </a:ln>
+        </p:spPr>
+        <p:style>
+          <a:lnRef idx="3">
+            <a:schemeClr val="dk1"/>
+          </a:lnRef>
+          <a:fillRef idx="0">
+            <a:schemeClr val="dk1"/>
+          </a:fillRef>
+          <a:effectRef idx="2">
+            <a:schemeClr val="dk1"/>
+          </a:effectRef>
+          <a:fontRef idx="minor">
+            <a:schemeClr val="tx1"/>
+          </a:fontRef>
+        </p:style>
+      </p:cxnSp>
+      <p:sp>
+        <p:nvSpPr>
+          <p:cNvPr id="15" name="TextBox 14"/>
+          <p:cNvSpPr txBox="1"/>
+          <p:nvPr/>
+        </p:nvSpPr>
+        <p:spPr>
+          <a:xfrm>
+            <a:off x="6191022" y="2379574"/>
+            <a:ext cx="1369460" cy="430887"/>
+          </a:xfrm>
+          <a:prstGeom prst="rect">
+            <a:avLst/>
+          </a:prstGeom>
+          <a:noFill/>
+        </p:spPr>
+        <p:txBody>
+          <a:bodyPr wrap="square" rtlCol="0">
+            <a:spAutoFit/>
+          </a:bodyPr>
+          <a:lstStyle/>
+          <a:p>
+            <a:r>
+              <a:rPr lang="en-US" b="1" dirty="0" smtClean="0"/>
+              <a:t>(Base1)</a:t>
+            </a:r>
+            <a:endParaRPr lang="en-IN" b="1" dirty="0"/>
+          </a:p>
+        </p:txBody>
+      </p:sp>
+      <p:sp>
+        <p:nvSpPr>
+          <p:cNvPr id="16" name="Rectangle 15"/>
+          <p:cNvSpPr/>
+          <p:nvPr/>
+        </p:nvSpPr>
+        <p:spPr>
+          <a:xfrm>
+            <a:off x="9619605" y="2337817"/>
+            <a:ext cx="1120820" cy="430887"/>
+          </a:xfrm>
+          <a:prstGeom prst="rect">
+            <a:avLst/>
+          </a:prstGeom>
+        </p:spPr>
+        <p:txBody>
+          <a:bodyPr wrap="none">
+            <a:spAutoFit/>
+          </a:bodyPr>
+          <a:lstStyle/>
+          <a:p>
+            <a:r>
+              <a:rPr lang="en-US" b="1" dirty="0" smtClean="0"/>
+              <a:t>(Base 2)</a:t>
+            </a:r>
+            <a:endParaRPr lang="en-IN" b="1" dirty="0"/>
+          </a:p>
+        </p:txBody>
+      </p:sp>
+      <p:sp>
+        <p:nvSpPr>
+          <p:cNvPr id="17" name="TextBox 16"/>
+          <p:cNvSpPr txBox="1"/>
+          <p:nvPr/>
+        </p:nvSpPr>
+        <p:spPr>
+          <a:xfrm>
+            <a:off x="7511645" y="4720806"/>
+            <a:ext cx="2520280" cy="769441"/>
+          </a:xfrm>
+          <a:prstGeom prst="rect">
+            <a:avLst/>
+          </a:prstGeom>
+        </p:spPr>
+        <p:style>
+          <a:lnRef idx="0">
+            <a:schemeClr val="accent2"/>
+          </a:lnRef>
+          <a:fillRef idx="3">
+            <a:schemeClr val="accent2"/>
+          </a:fillRef>
+          <a:effectRef idx="3">
+            <a:schemeClr val="accent2"/>
+          </a:effectRef>
+          <a:fontRef idx="minor">
+            <a:schemeClr val="lt1"/>
+          </a:fontRef>
+        </p:style>
+        <p:txBody>
+          <a:bodyPr wrap="square" rtlCol="0">
+            <a:spAutoFit/>
+          </a:bodyPr>
+          <a:lstStyle/>
+          <a:p>
+            <a:pPr algn="ctr"/>
+            <a:r>
+              <a:rPr lang="en-US" sz="4400" b="1" dirty="0" smtClean="0"/>
+              <a:t>C</a:t>
+            </a:r>
+            <a:endParaRPr lang="en-IN" sz="4400" b="1" dirty="0"/>
+          </a:p>
+        </p:txBody>
+      </p:sp>
+      <p:cxnSp>
+        <p:nvCxnSpPr>
+          <p:cNvPr id="18" name="Straight Arrow Connector 17"/>
+          <p:cNvCxnSpPr>
+            <a:endCxn id="17" idx="0"/>
+          </p:cNvCxnSpPr>
+          <p:nvPr/>
+        </p:nvCxnSpPr>
+        <p:spPr>
+          <a:xfrm>
+            <a:off x="6768394" y="3579902"/>
+            <a:ext cx="2003391" cy="1140904"/>
+          </a:xfrm>
+          <a:prstGeom prst="straightConnector1">
+            <a:avLst/>
+          </a:prstGeom>
+          <a:ln>
+            <a:tailEnd type="arrow"/>
+          </a:ln>
+        </p:spPr>
+        <p:style>
+          <a:lnRef idx="3">
+            <a:schemeClr val="dk1"/>
+          </a:lnRef>
+          <a:fillRef idx="0">
+            <a:schemeClr val="dk1"/>
+          </a:fillRef>
+          <a:effectRef idx="2">
+            <a:schemeClr val="dk1"/>
+          </a:effectRef>
+          <a:fontRef idx="minor">
+            <a:schemeClr val="tx1"/>
+          </a:fontRef>
+        </p:style>
+      </p:cxnSp>
+      <p:sp>
+        <p:nvSpPr>
+          <p:cNvPr id="19" name="Rectangle 18"/>
+          <p:cNvSpPr/>
+          <p:nvPr/>
+        </p:nvSpPr>
+        <p:spPr>
+          <a:xfrm>
+            <a:off x="8297135" y="5516050"/>
+            <a:ext cx="949299" cy="430887"/>
+          </a:xfrm>
+          <a:prstGeom prst="rect">
+            <a:avLst/>
+          </a:prstGeom>
+        </p:spPr>
+        <p:txBody>
+          <a:bodyPr wrap="none">
+            <a:spAutoFit/>
+          </a:bodyPr>
+          <a:lstStyle/>
+          <a:p>
+            <a:r>
+              <a:rPr lang="en-US" b="1" dirty="0" smtClean="0"/>
+              <a:t>(Child)</a:t>
+            </a:r>
+            <a:endParaRPr lang="en-IN" b="1" dirty="0"/>
+          </a:p>
+        </p:txBody>
+      </p:sp>
+    </p:spTree>
+    <p:extLst>
+      <p:ext uri="{BB962C8B-B14F-4D97-AF65-F5344CB8AC3E}">
+        <p14:creationId xmlns:p14="http://schemas.microsoft.com/office/powerpoint/2010/main" val="3349305354"/>
+      </p:ext>
+    </p:extLst>
+  </p:cSld>
+  <p:clrMapOvr>
+    <a:masterClrMapping/>
+  </p:clrMapOvr>
+  <p:timing>
+    <p:tnLst>
+      <p:par>
+        <p:cTn id="1" dur="indefinite" restart="never" nodeType="tmRoot"/>
+      </p:par>
+    </p:tnLst>
+  </p:timing>
+</p:sld>
+</file>
+
+<file path=ppt/slides/slide25.xml><?xml version="1.0" encoding="utf-8"?>
+<p:sld xmlns:a="http://schemas.openxmlformats.org/drawingml/2006/main" xmlns:r="http://schemas.openxmlformats.org/officeDocument/2006/relationships" xmlns:p="http://schemas.openxmlformats.org/presentationml/2006/main">
+  <p:cSld>
+    <p:spTree>
+      <p:nvGrpSpPr>
+        <p:cNvPr id="1" name=""/>
+        <p:cNvGrpSpPr/>
+        <p:nvPr/>
+      </p:nvGrpSpPr>
+      <p:grpSpPr>
+        <a:xfrm>
+          <a:off x="0" y="0"/>
+          <a:ext cx="0" cy="0"/>
+          <a:chOff x="0" y="0"/>
+          <a:chExt cx="0" cy="0"/>
+        </a:xfrm>
+      </p:grpSpPr>
+      <p:pic>
+        <p:nvPicPr>
+          <p:cNvPr id="30" name="Picture 29"/>
+          <p:cNvPicPr>
+            <a:picLocks/>
+          </p:cNvPicPr>
+          <p:nvPr/>
+        </p:nvPicPr>
+        <p:blipFill>
+          <a:blip r:embed="rId2" cstate="print">
+            <a:extLst>
+              <a:ext uri="{28A0092B-C50C-407E-A947-70E740481C1C}">
+                <a14:useLocalDpi xmlns:a14="http://schemas.microsoft.com/office/drawing/2010/main" val="0"/>
+              </a:ext>
+            </a:extLst>
+          </a:blip>
+          <a:stretch>
+            <a:fillRect/>
+          </a:stretch>
+        </p:blipFill>
+        <p:spPr>
+          <a:xfrm>
+            <a:off x="10588819" y="180259"/>
+            <a:ext cx="1477497" cy="990055"/>
+          </a:xfrm>
+          <a:prstGeom prst="rect">
+            <a:avLst/>
+          </a:prstGeom>
+        </p:spPr>
+      </p:pic>
+      <p:sp>
+        <p:nvSpPr>
+          <p:cNvPr id="31" name="Rectangle 30"/>
+          <p:cNvSpPr/>
+          <p:nvPr/>
+        </p:nvSpPr>
+        <p:spPr>
+          <a:xfrm>
+            <a:off x="7388524" y="6048722"/>
+            <a:ext cx="5827907" cy="1710096"/>
+          </a:xfrm>
+          <a:prstGeom prst="rect">
+            <a:avLst/>
+          </a:prstGeom>
+          <a:noFill/>
+          <a:ln w="12700" cap="flat" cmpd="sng" algn="ctr">
+            <a:noFill/>
+            <a:prstDash val="solid"/>
+            <a:miter lim="800000"/>
+          </a:ln>
+          <a:effectLst/>
+          <a:extLst>
+            <a:ext uri="{909E8E84-426E-40DD-AFC4-6F175D3DCCD1}">
+              <a14:hiddenFill xmlns:a14="http://schemas.microsoft.com/office/drawing/2010/main">
+                <a:solidFill>
+                  <a:schemeClr val="accent1"/>
+                </a:solidFill>
+              </a14:hiddenFill>
+            </a:ext>
+            <a:ext uri="{91240B29-F687-4F45-9708-019B960494DF}">
+              <a14:hiddenLine xmlns:a14="http://schemas.microsoft.com/office/drawing/2010/main" w="12700" cap="flat" cmpd="sng" algn="ctr">
+                <a:solidFill>
+                  <a:schemeClr val="accent1">
+                    <a:shade val="50000"/>
+                  </a:schemeClr>
+                </a:solidFill>
+                <a:prstDash val="solid"/>
+                <a:miter lim="800000"/>
+              </a14:hiddenLine>
+            </a:ext>
+          </a:extLst>
+        </p:spPr>
+        <p:style>
+          <a:lnRef idx="2">
+            <a:schemeClr val="accent1">
+              <a:shade val="50000"/>
+            </a:schemeClr>
+          </a:lnRef>
+          <a:fillRef idx="1">
+            <a:schemeClr val="accent1"/>
+          </a:fillRef>
+          <a:effectRef idx="0">
+            <a:schemeClr val="accent1"/>
+          </a:effectRef>
+          <a:fontRef idx="minor">
+            <a:schemeClr val="lt1"/>
+          </a:fontRef>
+        </p:style>
+        <p:txBody>
+          <a:bodyPr lIns="103239" tIns="45884" rIns="103239" bIns="45884" rtlCol="0" anchor="t"/>
+          <a:lstStyle/>
+          <a:p>
+            <a:pPr algn="ctr"/>
+            <a:endParaRPr lang="en-US" sz="3300" b="1" dirty="0">
+              <a:solidFill>
+                <a:srgbClr val="FF0000"/>
+              </a:solidFill>
+              <a:latin typeface="Calibri" panose="020F0502020204030204" pitchFamily="34" charset="0"/>
+            </a:endParaRPr>
+          </a:p>
+        </p:txBody>
+      </p:sp>
+      <p:sp>
+        <p:nvSpPr>
+          <p:cNvPr id="32" name="Rectangle 31"/>
+          <p:cNvSpPr/>
+          <p:nvPr/>
+        </p:nvSpPr>
+        <p:spPr>
+          <a:xfrm>
+            <a:off x="610401" y="576114"/>
+            <a:ext cx="11161240" cy="1107996"/>
+          </a:xfrm>
+          <a:prstGeom prst="rect">
+            <a:avLst/>
+          </a:prstGeom>
+          <a:noFill/>
+          <a:ln>
+            <a:noFill/>
+          </a:ln>
+        </p:spPr>
+        <p:style>
+          <a:lnRef idx="2">
+            <a:schemeClr val="dk1"/>
+          </a:lnRef>
+          <a:fillRef idx="1">
+            <a:schemeClr val="lt1"/>
+          </a:fillRef>
+          <a:effectRef idx="0">
+            <a:schemeClr val="dk1"/>
+          </a:effectRef>
+          <a:fontRef idx="minor">
+            <a:schemeClr val="dk1"/>
+          </a:fontRef>
+        </p:style>
+        <p:txBody>
+          <a:bodyPr wrap="square">
+            <a:spAutoFit/>
+          </a:bodyPr>
+          <a:lstStyle/>
+          <a:p>
+            <a:r>
+              <a:rPr lang="en-IN" b="1" dirty="0">
+                <a:solidFill>
+                  <a:srgbClr val="FF0000"/>
+                </a:solidFill>
+              </a:rPr>
+              <a:t>Hierarchical</a:t>
+            </a:r>
+            <a:r>
+              <a:rPr lang="en-IN" b="1" dirty="0"/>
+              <a:t> </a:t>
+            </a:r>
+            <a:r>
+              <a:rPr lang="en-IN" b="1" dirty="0" smtClean="0"/>
+              <a:t> </a:t>
+            </a:r>
+            <a:r>
+              <a:rPr lang="en-US" b="1" dirty="0" smtClean="0">
+                <a:solidFill>
+                  <a:srgbClr val="FF0000"/>
+                </a:solidFill>
+              </a:rPr>
+              <a:t>Inheritance</a:t>
+            </a:r>
+            <a:endParaRPr lang="en-US" b="1" dirty="0">
+              <a:solidFill>
+                <a:srgbClr val="FF0000"/>
+              </a:solidFill>
+            </a:endParaRPr>
+          </a:p>
+          <a:p>
+            <a:pPr marL="342900" indent="-342900">
+              <a:buFont typeface="Arial" pitchFamily="34" charset="0"/>
+              <a:buChar char="•"/>
+            </a:pPr>
+            <a:r>
+              <a:rPr lang="en-US" b="1" dirty="0"/>
+              <a:t>Multiple classes</a:t>
+            </a:r>
+            <a:r>
+              <a:rPr lang="en-US" dirty="0"/>
+              <a:t> inherit from a </a:t>
+            </a:r>
+            <a:r>
+              <a:rPr lang="en-US" b="1" dirty="0"/>
+              <a:t>single base class</a:t>
+            </a:r>
+            <a:endParaRPr lang="en-US" dirty="0"/>
+          </a:p>
+          <a:p>
+            <a:pPr marL="342900" indent="-342900">
+              <a:buFont typeface="Arial" pitchFamily="34" charset="0"/>
+              <a:buChar char="•"/>
+            </a:pPr>
+            <a:r>
+              <a:rPr lang="en-US" dirty="0"/>
+              <a:t>Useful in creating multiple child classes from a common parent</a:t>
+            </a:r>
+          </a:p>
+        </p:txBody>
+      </p:sp>
+      <p:sp>
+        <p:nvSpPr>
+          <p:cNvPr id="33" name="Rectangle 32"/>
+          <p:cNvSpPr/>
+          <p:nvPr/>
+        </p:nvSpPr>
+        <p:spPr>
+          <a:xfrm>
+            <a:off x="899741" y="2812592"/>
+            <a:ext cx="4104456" cy="3477875"/>
+          </a:xfrm>
+          <a:prstGeom prst="rect">
+            <a:avLst/>
+          </a:prstGeom>
+        </p:spPr>
+        <p:style>
+          <a:lnRef idx="2">
+            <a:schemeClr val="accent4"/>
+          </a:lnRef>
+          <a:fillRef idx="1">
+            <a:schemeClr val="lt1"/>
+          </a:fillRef>
+          <a:effectRef idx="0">
+            <a:schemeClr val="accent4"/>
+          </a:effectRef>
+          <a:fontRef idx="minor">
+            <a:schemeClr val="dk1"/>
+          </a:fontRef>
+        </p:style>
+        <p:txBody>
+          <a:bodyPr wrap="square">
+            <a:spAutoFit/>
+          </a:bodyPr>
+          <a:lstStyle/>
+          <a:p>
+            <a:r>
+              <a:rPr lang="en-US" b="1" dirty="0">
+                <a:solidFill>
+                  <a:srgbClr val="FF0000"/>
+                </a:solidFill>
+              </a:rPr>
+              <a:t>class Animal {</a:t>
+            </a:r>
+          </a:p>
+          <a:p>
+            <a:r>
+              <a:rPr lang="en-US" b="1" dirty="0">
+                <a:solidFill>
+                  <a:srgbClr val="FF0000"/>
+                </a:solidFill>
+              </a:rPr>
+              <a:t>  void eat();</a:t>
+            </a:r>
+          </a:p>
+          <a:p>
+            <a:r>
+              <a:rPr lang="en-US" b="1" dirty="0">
+                <a:solidFill>
+                  <a:srgbClr val="FF0000"/>
+                </a:solidFill>
+              </a:rPr>
+              <a:t>};</a:t>
+            </a:r>
+          </a:p>
+          <a:p>
+            <a:endParaRPr lang="en-US" b="1" dirty="0">
+              <a:solidFill>
+                <a:srgbClr val="FF0000"/>
+              </a:solidFill>
+            </a:endParaRPr>
+          </a:p>
+          <a:p>
+            <a:r>
+              <a:rPr lang="en-US" b="1" dirty="0">
+                <a:solidFill>
+                  <a:srgbClr val="00B050"/>
+                </a:solidFill>
+              </a:rPr>
+              <a:t>class Dog </a:t>
+            </a:r>
+            <a:r>
+              <a:rPr lang="en-US" b="1" dirty="0">
+                <a:solidFill>
+                  <a:srgbClr val="FF0000"/>
+                </a:solidFill>
+              </a:rPr>
+              <a:t>: public Animal </a:t>
+            </a:r>
+            <a:r>
+              <a:rPr lang="en-US" b="1" dirty="0" smtClean="0">
+                <a:solidFill>
+                  <a:srgbClr val="FF0000"/>
+                </a:solidFill>
+              </a:rPr>
+              <a:t>{};</a:t>
+            </a:r>
+          </a:p>
+          <a:p>
+            <a:endParaRPr lang="en-US" b="1" dirty="0">
+              <a:solidFill>
+                <a:srgbClr val="002060"/>
+              </a:solidFill>
+            </a:endParaRPr>
+          </a:p>
+          <a:p>
+            <a:r>
+              <a:rPr lang="en-US" b="1" dirty="0">
+                <a:solidFill>
+                  <a:srgbClr val="002060"/>
+                </a:solidFill>
+              </a:rPr>
+              <a:t>class </a:t>
+            </a:r>
+            <a:r>
+              <a:rPr lang="en-US" b="1" dirty="0" smtClean="0">
+                <a:solidFill>
+                  <a:srgbClr val="002060"/>
+                </a:solidFill>
+              </a:rPr>
+              <a:t>Lion</a:t>
+            </a:r>
+            <a:r>
+              <a:rPr lang="en-US" b="1" dirty="0" smtClean="0">
+                <a:solidFill>
+                  <a:srgbClr val="FF0000"/>
+                </a:solidFill>
+              </a:rPr>
+              <a:t>: </a:t>
+            </a:r>
+            <a:r>
+              <a:rPr lang="en-US" b="1" dirty="0">
+                <a:solidFill>
+                  <a:srgbClr val="FF0000"/>
+                </a:solidFill>
+              </a:rPr>
+              <a:t>public Animal </a:t>
+            </a:r>
+            <a:r>
+              <a:rPr lang="en-US" b="1" dirty="0" smtClean="0">
+                <a:solidFill>
+                  <a:srgbClr val="FF0000"/>
+                </a:solidFill>
+              </a:rPr>
+              <a:t>{};</a:t>
+            </a:r>
+          </a:p>
+          <a:p>
+            <a:endParaRPr lang="en-US" b="1" dirty="0">
+              <a:solidFill>
+                <a:srgbClr val="FF0000"/>
+              </a:solidFill>
+            </a:endParaRPr>
+          </a:p>
+          <a:p>
+            <a:r>
+              <a:rPr lang="en-US" b="1" dirty="0">
+                <a:solidFill>
+                  <a:schemeClr val="tx2">
+                    <a:lumMod val="60000"/>
+                    <a:lumOff val="40000"/>
+                  </a:schemeClr>
+                </a:solidFill>
+              </a:rPr>
+              <a:t>class </a:t>
+            </a:r>
+            <a:r>
+              <a:rPr lang="en-US" b="1" dirty="0" smtClean="0">
+                <a:solidFill>
+                  <a:schemeClr val="tx2">
+                    <a:lumMod val="60000"/>
+                    <a:lumOff val="40000"/>
+                  </a:schemeClr>
+                </a:solidFill>
+              </a:rPr>
+              <a:t>Tiger </a:t>
+            </a:r>
+            <a:r>
+              <a:rPr lang="en-US" b="1" dirty="0" smtClean="0">
+                <a:solidFill>
+                  <a:srgbClr val="FF0000"/>
+                </a:solidFill>
+              </a:rPr>
+              <a:t>: </a:t>
+            </a:r>
+            <a:r>
+              <a:rPr lang="en-US" b="1" dirty="0">
+                <a:solidFill>
+                  <a:srgbClr val="FF0000"/>
+                </a:solidFill>
+              </a:rPr>
+              <a:t>public Animal {};</a:t>
+            </a:r>
+          </a:p>
+          <a:p>
+            <a:endParaRPr lang="en-US" b="1" dirty="0">
+              <a:solidFill>
+                <a:srgbClr val="FF0000"/>
+              </a:solidFill>
+            </a:endParaRPr>
+          </a:p>
+        </p:txBody>
+      </p:sp>
+      <p:sp>
+        <p:nvSpPr>
+          <p:cNvPr id="34" name="Rectangle 33"/>
+          <p:cNvSpPr/>
+          <p:nvPr/>
+        </p:nvSpPr>
+        <p:spPr>
+          <a:xfrm>
+            <a:off x="755725" y="2379952"/>
+            <a:ext cx="6156325" cy="430887"/>
+          </a:xfrm>
+          <a:prstGeom prst="rect">
+            <a:avLst/>
+          </a:prstGeom>
+        </p:spPr>
+        <p:txBody>
+          <a:bodyPr>
+            <a:spAutoFit/>
+          </a:bodyPr>
+          <a:lstStyle/>
+          <a:p>
+            <a:r>
+              <a:rPr lang="en-US" b="1" dirty="0" smtClean="0"/>
+              <a:t>Example :</a:t>
+            </a:r>
+            <a:endParaRPr lang="en-US" b="1" dirty="0"/>
+          </a:p>
+        </p:txBody>
+      </p:sp>
+      <p:sp>
+        <p:nvSpPr>
+          <p:cNvPr id="35" name="AutoShape 2" descr="inheritence"/>
+          <p:cNvSpPr>
+            <a:spLocks noChangeAspect="1" noChangeArrowheads="1"/>
+          </p:cNvSpPr>
+          <p:nvPr/>
+        </p:nvSpPr>
+        <p:spPr bwMode="auto">
+          <a:xfrm>
+            <a:off x="155575" y="-144463"/>
+            <a:ext cx="304800" cy="304801"/>
+          </a:xfrm>
+          <a:prstGeom prst="rect">
+            <a:avLst/>
+          </a:prstGeom>
+          <a:noFill/>
+          <a:extLst>
+            <a:ext uri="{909E8E84-426E-40DD-AFC4-6F175D3DCCD1}">
+              <a14:hiddenFill xmlns:a14="http://schemas.microsoft.com/office/drawing/2010/main">
+                <a:solidFill>
+                  <a:srgbClr val="FFFFFF"/>
+                </a:solidFill>
+              </a14:hiddenFill>
+            </a:ext>
+          </a:extLst>
+        </p:spPr>
+        <p:txBody>
+          <a:bodyPr vert="horz" wrap="square" lIns="91440" tIns="45720" rIns="91440" bIns="45720" numCol="1" anchor="t" anchorCtr="0" compatLnSpc="1">
+            <a:prstTxWarp prst="textNoShape">
+              <a:avLst/>
+            </a:prstTxWarp>
+          </a:bodyPr>
+          <a:lstStyle/>
+          <a:p>
+            <a:endParaRPr lang="en-IN"/>
+          </a:p>
+        </p:txBody>
+      </p:sp>
+      <p:sp>
+        <p:nvSpPr>
+          <p:cNvPr id="36" name="AutoShape 4" descr="inheritence"/>
+          <p:cNvSpPr>
+            <a:spLocks noChangeAspect="1" noChangeArrowheads="1"/>
+          </p:cNvSpPr>
+          <p:nvPr/>
+        </p:nvSpPr>
+        <p:spPr bwMode="auto">
+          <a:xfrm>
+            <a:off x="307975" y="7937"/>
+            <a:ext cx="304800" cy="304801"/>
+          </a:xfrm>
+          <a:prstGeom prst="rect">
+            <a:avLst/>
+          </a:prstGeom>
+          <a:noFill/>
+          <a:extLst>
+            <a:ext uri="{909E8E84-426E-40DD-AFC4-6F175D3DCCD1}">
+              <a14:hiddenFill xmlns:a14="http://schemas.microsoft.com/office/drawing/2010/main">
+                <a:solidFill>
+                  <a:srgbClr val="FFFFFF"/>
+                </a:solidFill>
+              </a14:hiddenFill>
+            </a:ext>
+          </a:extLst>
+        </p:spPr>
+        <p:txBody>
+          <a:bodyPr vert="horz" wrap="square" lIns="91440" tIns="45720" rIns="91440" bIns="45720" numCol="1" anchor="t" anchorCtr="0" compatLnSpc="1">
+            <a:prstTxWarp prst="textNoShape">
+              <a:avLst/>
+            </a:prstTxWarp>
+          </a:bodyPr>
+          <a:lstStyle/>
+          <a:p>
+            <a:endParaRPr lang="en-IN"/>
+          </a:p>
+        </p:txBody>
+      </p:sp>
+      <p:sp>
+        <p:nvSpPr>
+          <p:cNvPr id="37" name="AutoShape 6" descr="inheritence"/>
+          <p:cNvSpPr>
+            <a:spLocks noChangeAspect="1" noChangeArrowheads="1"/>
+          </p:cNvSpPr>
+          <p:nvPr/>
+        </p:nvSpPr>
+        <p:spPr bwMode="auto">
+          <a:xfrm>
+            <a:off x="460375" y="160337"/>
+            <a:ext cx="304800" cy="304801"/>
+          </a:xfrm>
+          <a:prstGeom prst="rect">
+            <a:avLst/>
+          </a:prstGeom>
+          <a:noFill/>
+          <a:extLst>
+            <a:ext uri="{909E8E84-426E-40DD-AFC4-6F175D3DCCD1}">
+              <a14:hiddenFill xmlns:a14="http://schemas.microsoft.com/office/drawing/2010/main">
+                <a:solidFill>
+                  <a:srgbClr val="FFFFFF"/>
+                </a:solidFill>
+              </a14:hiddenFill>
+            </a:ext>
+          </a:extLst>
+        </p:spPr>
+        <p:txBody>
+          <a:bodyPr vert="horz" wrap="square" lIns="91440" tIns="45720" rIns="91440" bIns="45720" numCol="1" anchor="t" anchorCtr="0" compatLnSpc="1">
+            <a:prstTxWarp prst="textNoShape">
+              <a:avLst/>
+            </a:prstTxWarp>
+          </a:bodyPr>
+          <a:lstStyle/>
+          <a:p>
+            <a:endParaRPr lang="en-IN"/>
+          </a:p>
+        </p:txBody>
+      </p:sp>
+      <p:sp>
+        <p:nvSpPr>
+          <p:cNvPr id="38" name="TextBox 37"/>
+          <p:cNvSpPr txBox="1"/>
+          <p:nvPr/>
+        </p:nvSpPr>
+        <p:spPr>
+          <a:xfrm>
+            <a:off x="7321656" y="2792635"/>
+            <a:ext cx="2520280" cy="769441"/>
+          </a:xfrm>
+          <a:prstGeom prst="rect">
+            <a:avLst/>
+          </a:prstGeom>
+        </p:spPr>
+        <p:style>
+          <a:lnRef idx="0">
+            <a:schemeClr val="accent2"/>
+          </a:lnRef>
+          <a:fillRef idx="3">
+            <a:schemeClr val="accent2"/>
+          </a:fillRef>
+          <a:effectRef idx="3">
+            <a:schemeClr val="accent2"/>
+          </a:effectRef>
+          <a:fontRef idx="minor">
+            <a:schemeClr val="lt1"/>
+          </a:fontRef>
+        </p:style>
+        <p:txBody>
+          <a:bodyPr wrap="square" rtlCol="0">
+            <a:spAutoFit/>
+          </a:bodyPr>
+          <a:lstStyle/>
+          <a:p>
+            <a:pPr algn="ctr"/>
+            <a:r>
+              <a:rPr lang="en-US" sz="4400" b="1" dirty="0" smtClean="0"/>
+              <a:t>Animal</a:t>
+            </a:r>
+            <a:endParaRPr lang="en-IN" sz="4400" b="1" dirty="0"/>
+          </a:p>
+        </p:txBody>
+      </p:sp>
+      <p:sp>
+        <p:nvSpPr>
+          <p:cNvPr id="39" name="TextBox 38"/>
+          <p:cNvSpPr txBox="1"/>
+          <p:nvPr/>
+        </p:nvSpPr>
+        <p:spPr>
+          <a:xfrm>
+            <a:off x="7925283" y="4730902"/>
+            <a:ext cx="1595432" cy="769441"/>
+          </a:xfrm>
+          <a:prstGeom prst="rect">
+            <a:avLst/>
+          </a:prstGeom>
+        </p:spPr>
+        <p:style>
+          <a:lnRef idx="0">
+            <a:schemeClr val="accent4"/>
+          </a:lnRef>
+          <a:fillRef idx="3">
+            <a:schemeClr val="accent4"/>
+          </a:fillRef>
+          <a:effectRef idx="3">
+            <a:schemeClr val="accent4"/>
+          </a:effectRef>
+          <a:fontRef idx="minor">
+            <a:schemeClr val="lt1"/>
+          </a:fontRef>
+        </p:style>
+        <p:txBody>
+          <a:bodyPr wrap="square" rtlCol="0">
+            <a:spAutoFit/>
+          </a:bodyPr>
+          <a:lstStyle/>
+          <a:p>
+            <a:pPr algn="ctr"/>
+            <a:r>
+              <a:rPr lang="en-US" sz="4400" b="1" dirty="0" smtClean="0"/>
+              <a:t>Lion</a:t>
+            </a:r>
+            <a:endParaRPr lang="en-IN" sz="4400" b="1" dirty="0"/>
+          </a:p>
+        </p:txBody>
+      </p:sp>
+      <p:cxnSp>
+        <p:nvCxnSpPr>
+          <p:cNvPr id="40" name="Straight Arrow Connector 39"/>
+          <p:cNvCxnSpPr/>
+          <p:nvPr/>
+        </p:nvCxnSpPr>
+        <p:spPr>
+          <a:xfrm flipH="1">
+            <a:off x="6414954" y="3527505"/>
+            <a:ext cx="2166842" cy="1203396"/>
+          </a:xfrm>
+          <a:prstGeom prst="straightConnector1">
+            <a:avLst/>
+          </a:prstGeom>
+          <a:ln>
+            <a:tailEnd type="arrow"/>
+          </a:ln>
+        </p:spPr>
+        <p:style>
+          <a:lnRef idx="3">
+            <a:schemeClr val="dk1"/>
+          </a:lnRef>
+          <a:fillRef idx="0">
+            <a:schemeClr val="dk1"/>
+          </a:fillRef>
+          <a:effectRef idx="2">
+            <a:schemeClr val="dk1"/>
+          </a:effectRef>
+          <a:fontRef idx="minor">
+            <a:schemeClr val="tx1"/>
+          </a:fontRef>
+        </p:style>
+      </p:cxnSp>
+      <p:sp>
+        <p:nvSpPr>
+          <p:cNvPr id="41" name="TextBox 40"/>
+          <p:cNvSpPr txBox="1"/>
+          <p:nvPr/>
+        </p:nvSpPr>
+        <p:spPr>
+          <a:xfrm>
+            <a:off x="8083891" y="2358090"/>
+            <a:ext cx="1278216" cy="430887"/>
+          </a:xfrm>
+          <a:prstGeom prst="rect">
+            <a:avLst/>
+          </a:prstGeom>
+          <a:noFill/>
+        </p:spPr>
+        <p:txBody>
+          <a:bodyPr wrap="square" rtlCol="0">
+            <a:spAutoFit/>
+          </a:bodyPr>
+          <a:lstStyle/>
+          <a:p>
+            <a:r>
+              <a:rPr lang="en-US" b="1" dirty="0" smtClean="0"/>
+              <a:t>(Base)</a:t>
+            </a:r>
+            <a:endParaRPr lang="en-IN" b="1" dirty="0"/>
+          </a:p>
+        </p:txBody>
+      </p:sp>
+      <p:sp>
+        <p:nvSpPr>
+          <p:cNvPr id="42" name="TextBox 41"/>
+          <p:cNvSpPr txBox="1"/>
+          <p:nvPr/>
+        </p:nvSpPr>
+        <p:spPr>
+          <a:xfrm>
+            <a:off x="5508253" y="4760517"/>
+            <a:ext cx="1813403" cy="769441"/>
+          </a:xfrm>
+          <a:prstGeom prst="rect">
+            <a:avLst/>
+          </a:prstGeom>
+        </p:spPr>
+        <p:style>
+          <a:lnRef idx="0">
+            <a:schemeClr val="accent3"/>
+          </a:lnRef>
+          <a:fillRef idx="3">
+            <a:schemeClr val="accent3"/>
+          </a:fillRef>
+          <a:effectRef idx="3">
+            <a:schemeClr val="accent3"/>
+          </a:effectRef>
+          <a:fontRef idx="minor">
+            <a:schemeClr val="lt1"/>
+          </a:fontRef>
+        </p:style>
+        <p:txBody>
+          <a:bodyPr wrap="square" rtlCol="0">
+            <a:spAutoFit/>
+          </a:bodyPr>
+          <a:lstStyle/>
+          <a:p>
+            <a:pPr algn="ctr"/>
+            <a:r>
+              <a:rPr lang="en-US" sz="4400" b="1" dirty="0" smtClean="0"/>
+              <a:t>Dog</a:t>
+            </a:r>
+            <a:endParaRPr lang="en-IN" sz="4400" b="1" dirty="0"/>
+          </a:p>
+        </p:txBody>
+      </p:sp>
+      <p:cxnSp>
+        <p:nvCxnSpPr>
+          <p:cNvPr id="43" name="Straight Arrow Connector 42"/>
+          <p:cNvCxnSpPr>
+            <a:stCxn id="38" idx="2"/>
+          </p:cNvCxnSpPr>
+          <p:nvPr/>
+        </p:nvCxnSpPr>
+        <p:spPr>
+          <a:xfrm>
+            <a:off x="8581796" y="3562076"/>
+            <a:ext cx="2393605" cy="1168825"/>
+          </a:xfrm>
+          <a:prstGeom prst="straightConnector1">
+            <a:avLst/>
+          </a:prstGeom>
+          <a:ln>
+            <a:tailEnd type="arrow"/>
+          </a:ln>
+        </p:spPr>
+        <p:style>
+          <a:lnRef idx="3">
+            <a:schemeClr val="dk1"/>
+          </a:lnRef>
+          <a:fillRef idx="0">
+            <a:schemeClr val="dk1"/>
+          </a:fillRef>
+          <a:effectRef idx="2">
+            <a:schemeClr val="dk1"/>
+          </a:effectRef>
+          <a:fontRef idx="minor">
+            <a:schemeClr val="tx1"/>
+          </a:fontRef>
+        </p:style>
+      </p:cxnSp>
+      <p:sp>
+        <p:nvSpPr>
+          <p:cNvPr id="44" name="Rectangle 43"/>
+          <p:cNvSpPr/>
+          <p:nvPr/>
+        </p:nvSpPr>
+        <p:spPr>
+          <a:xfrm>
+            <a:off x="5975784" y="5624058"/>
+            <a:ext cx="1178528" cy="430887"/>
+          </a:xfrm>
+          <a:prstGeom prst="rect">
+            <a:avLst/>
+          </a:prstGeom>
+        </p:spPr>
+        <p:txBody>
+          <a:bodyPr wrap="none">
+            <a:spAutoFit/>
+          </a:bodyPr>
+          <a:lstStyle/>
+          <a:p>
+            <a:r>
+              <a:rPr lang="en-US" b="1" dirty="0" smtClean="0"/>
+              <a:t>(Child-1)</a:t>
+            </a:r>
+            <a:endParaRPr lang="en-IN" b="1" dirty="0"/>
+          </a:p>
+        </p:txBody>
+      </p:sp>
+      <p:sp>
+        <p:nvSpPr>
+          <p:cNvPr id="45" name="TextBox 44"/>
+          <p:cNvSpPr txBox="1"/>
+          <p:nvPr/>
+        </p:nvSpPr>
+        <p:spPr>
+          <a:xfrm>
+            <a:off x="10177685" y="4730901"/>
+            <a:ext cx="1595432" cy="769441"/>
+          </a:xfrm>
+          <a:prstGeom prst="rect">
+            <a:avLst/>
+          </a:prstGeom>
+        </p:spPr>
+        <p:style>
+          <a:lnRef idx="0">
+            <a:schemeClr val="accent1"/>
+          </a:lnRef>
+          <a:fillRef idx="3">
+            <a:schemeClr val="accent1"/>
+          </a:fillRef>
+          <a:effectRef idx="3">
+            <a:schemeClr val="accent1"/>
+          </a:effectRef>
+          <a:fontRef idx="minor">
+            <a:schemeClr val="lt1"/>
+          </a:fontRef>
+        </p:style>
+        <p:txBody>
+          <a:bodyPr wrap="square" rtlCol="0">
+            <a:spAutoFit/>
+          </a:bodyPr>
+          <a:lstStyle/>
+          <a:p>
+            <a:pPr algn="ctr"/>
+            <a:r>
+              <a:rPr lang="en-US" sz="4400" b="1" dirty="0" smtClean="0"/>
+              <a:t>Tiger</a:t>
+            </a:r>
+            <a:endParaRPr lang="en-IN" sz="4400" b="1" dirty="0"/>
+          </a:p>
+        </p:txBody>
+      </p:sp>
+      <p:sp>
+        <p:nvSpPr>
+          <p:cNvPr id="46" name="Rectangle 45"/>
+          <p:cNvSpPr/>
+          <p:nvPr/>
+        </p:nvSpPr>
+        <p:spPr>
+          <a:xfrm>
+            <a:off x="8133735" y="5624058"/>
+            <a:ext cx="1178528" cy="430887"/>
+          </a:xfrm>
+          <a:prstGeom prst="rect">
+            <a:avLst/>
+          </a:prstGeom>
+        </p:spPr>
+        <p:txBody>
+          <a:bodyPr wrap="none">
+            <a:spAutoFit/>
+          </a:bodyPr>
+          <a:lstStyle/>
+          <a:p>
+            <a:r>
+              <a:rPr lang="en-US" b="1" dirty="0"/>
+              <a:t>(</a:t>
+            </a:r>
+            <a:r>
+              <a:rPr lang="en-US" b="1" dirty="0" smtClean="0"/>
+              <a:t>Child-2)</a:t>
+            </a:r>
+            <a:endParaRPr lang="en-IN" b="1" dirty="0"/>
+          </a:p>
+        </p:txBody>
+      </p:sp>
+      <p:sp>
+        <p:nvSpPr>
+          <p:cNvPr id="47" name="Rectangle 46"/>
+          <p:cNvSpPr/>
+          <p:nvPr/>
+        </p:nvSpPr>
+        <p:spPr>
+          <a:xfrm>
+            <a:off x="10386137" y="5584343"/>
+            <a:ext cx="1178528" cy="430887"/>
+          </a:xfrm>
+          <a:prstGeom prst="rect">
+            <a:avLst/>
+          </a:prstGeom>
+        </p:spPr>
+        <p:txBody>
+          <a:bodyPr wrap="none">
+            <a:spAutoFit/>
+          </a:bodyPr>
+          <a:lstStyle/>
+          <a:p>
+            <a:r>
+              <a:rPr lang="en-US" b="1" dirty="0"/>
+              <a:t>(</a:t>
+            </a:r>
+            <a:r>
+              <a:rPr lang="en-US" b="1" dirty="0" smtClean="0"/>
+              <a:t>Child-3)</a:t>
+            </a:r>
+            <a:endParaRPr lang="en-IN" b="1" dirty="0"/>
+          </a:p>
+        </p:txBody>
+      </p:sp>
+      <p:cxnSp>
+        <p:nvCxnSpPr>
+          <p:cNvPr id="48" name="Straight Arrow Connector 47"/>
+          <p:cNvCxnSpPr>
+            <a:stCxn id="38" idx="2"/>
+          </p:cNvCxnSpPr>
+          <p:nvPr/>
+        </p:nvCxnSpPr>
+        <p:spPr>
+          <a:xfrm>
+            <a:off x="8581796" y="3562076"/>
+            <a:ext cx="102282" cy="1168826"/>
+          </a:xfrm>
+          <a:prstGeom prst="straightConnector1">
+            <a:avLst/>
+          </a:prstGeom>
+          <a:ln>
+            <a:tailEnd type="arrow"/>
+          </a:ln>
+        </p:spPr>
+        <p:style>
+          <a:lnRef idx="3">
+            <a:schemeClr val="dk1"/>
+          </a:lnRef>
+          <a:fillRef idx="0">
+            <a:schemeClr val="dk1"/>
+          </a:fillRef>
+          <a:effectRef idx="2">
+            <a:schemeClr val="dk1"/>
+          </a:effectRef>
+          <a:fontRef idx="minor">
+            <a:schemeClr val="tx1"/>
+          </a:fontRef>
+        </p:style>
+      </p:cxnSp>
+    </p:spTree>
+    <p:extLst>
+      <p:ext uri="{BB962C8B-B14F-4D97-AF65-F5344CB8AC3E}">
+        <p14:creationId xmlns:p14="http://schemas.microsoft.com/office/powerpoint/2010/main" val="908962598"/>
+      </p:ext>
+    </p:extLst>
+  </p:cSld>
+  <p:clrMapOvr>
+    <a:masterClrMapping/>
+  </p:clrMapOvr>
+  <p:timing>
+    <p:tnLst>
+      <p:par>
+        <p:cTn id="1" dur="indefinite" restart="never" nodeType="tmRoot"/>
+      </p:par>
+    </p:tnLst>
+  </p:timing>
+</p:sld>
+</file>
+
+<file path=ppt/slides/slide26.xml><?xml version="1.0" encoding="utf-8"?>
+<p:sld xmlns:a="http://schemas.openxmlformats.org/drawingml/2006/main" xmlns:r="http://schemas.openxmlformats.org/officeDocument/2006/relationships" xmlns:p="http://schemas.openxmlformats.org/presentationml/2006/main">
+  <p:cSld>
+    <p:spTree>
+      <p:nvGrpSpPr>
+        <p:cNvPr id="1" name=""/>
+        <p:cNvGrpSpPr/>
+        <p:nvPr/>
+      </p:nvGrpSpPr>
+      <p:grpSpPr>
+        <a:xfrm>
+          <a:off x="0" y="0"/>
+          <a:ext cx="0" cy="0"/>
+          <a:chOff x="0" y="0"/>
+          <a:chExt cx="0" cy="0"/>
+        </a:xfrm>
+      </p:grpSpPr>
+      <p:pic>
+        <p:nvPicPr>
+          <p:cNvPr id="30" name="Picture 29"/>
+          <p:cNvPicPr>
+            <a:picLocks/>
+          </p:cNvPicPr>
+          <p:nvPr/>
+        </p:nvPicPr>
+        <p:blipFill>
+          <a:blip r:embed="rId2" cstate="print">
+            <a:extLst>
+              <a:ext uri="{28A0092B-C50C-407E-A947-70E740481C1C}">
+                <a14:useLocalDpi xmlns:a14="http://schemas.microsoft.com/office/drawing/2010/main" val="0"/>
+              </a:ext>
+            </a:extLst>
+          </a:blip>
+          <a:stretch>
+            <a:fillRect/>
+          </a:stretch>
+        </p:blipFill>
+        <p:spPr>
+          <a:xfrm>
+            <a:off x="10588819" y="180259"/>
+            <a:ext cx="1477497" cy="990055"/>
+          </a:xfrm>
+          <a:prstGeom prst="rect">
+            <a:avLst/>
+          </a:prstGeom>
+        </p:spPr>
+      </p:pic>
+      <p:sp>
+        <p:nvSpPr>
+          <p:cNvPr id="31" name="Rectangle 30"/>
+          <p:cNvSpPr/>
+          <p:nvPr/>
+        </p:nvSpPr>
+        <p:spPr>
+          <a:xfrm>
+            <a:off x="7388524" y="6048722"/>
+            <a:ext cx="5827907" cy="1710096"/>
+          </a:xfrm>
+          <a:prstGeom prst="rect">
+            <a:avLst/>
+          </a:prstGeom>
+          <a:noFill/>
+          <a:ln w="12700" cap="flat" cmpd="sng" algn="ctr">
+            <a:noFill/>
+            <a:prstDash val="solid"/>
+            <a:miter lim="800000"/>
+          </a:ln>
+          <a:effectLst/>
+          <a:extLst>
+            <a:ext uri="{909E8E84-426E-40DD-AFC4-6F175D3DCCD1}">
+              <a14:hiddenFill xmlns:a14="http://schemas.microsoft.com/office/drawing/2010/main">
+                <a:solidFill>
+                  <a:schemeClr val="accent1"/>
+                </a:solidFill>
+              </a14:hiddenFill>
+            </a:ext>
+            <a:ext uri="{91240B29-F687-4F45-9708-019B960494DF}">
+              <a14:hiddenLine xmlns:a14="http://schemas.microsoft.com/office/drawing/2010/main" w="12700" cap="flat" cmpd="sng" algn="ctr">
+                <a:solidFill>
+                  <a:schemeClr val="accent1">
+                    <a:shade val="50000"/>
+                  </a:schemeClr>
+                </a:solidFill>
+                <a:prstDash val="solid"/>
+                <a:miter lim="800000"/>
+              </a14:hiddenLine>
+            </a:ext>
+          </a:extLst>
+        </p:spPr>
+        <p:style>
+          <a:lnRef idx="2">
+            <a:schemeClr val="accent1">
+              <a:shade val="50000"/>
+            </a:schemeClr>
+          </a:lnRef>
+          <a:fillRef idx="1">
+            <a:schemeClr val="accent1"/>
+          </a:fillRef>
+          <a:effectRef idx="0">
+            <a:schemeClr val="accent1"/>
+          </a:effectRef>
+          <a:fontRef idx="minor">
+            <a:schemeClr val="lt1"/>
+          </a:fontRef>
+        </p:style>
+        <p:txBody>
+          <a:bodyPr lIns="103239" tIns="45884" rIns="103239" bIns="45884" rtlCol="0" anchor="t"/>
+          <a:lstStyle/>
+          <a:p>
+            <a:pPr algn="ctr"/>
+            <a:endParaRPr lang="en-US" sz="3300" b="1" dirty="0">
+              <a:solidFill>
+                <a:srgbClr val="FF0000"/>
+              </a:solidFill>
+              <a:latin typeface="Calibri" panose="020F0502020204030204" pitchFamily="34" charset="0"/>
+            </a:endParaRPr>
+          </a:p>
+        </p:txBody>
+      </p:sp>
+      <p:sp>
+        <p:nvSpPr>
+          <p:cNvPr id="32" name="Rectangle 31"/>
+          <p:cNvSpPr/>
+          <p:nvPr/>
+        </p:nvSpPr>
+        <p:spPr>
+          <a:xfrm>
+            <a:off x="610401" y="576114"/>
+            <a:ext cx="11161240" cy="1107996"/>
+          </a:xfrm>
+          <a:prstGeom prst="rect">
+            <a:avLst/>
+          </a:prstGeom>
+          <a:noFill/>
+          <a:ln>
+            <a:noFill/>
+          </a:ln>
+        </p:spPr>
+        <p:style>
+          <a:lnRef idx="2">
+            <a:schemeClr val="dk1"/>
+          </a:lnRef>
+          <a:fillRef idx="1">
+            <a:schemeClr val="lt1"/>
+          </a:fillRef>
+          <a:effectRef idx="0">
+            <a:schemeClr val="dk1"/>
+          </a:effectRef>
+          <a:fontRef idx="minor">
+            <a:schemeClr val="dk1"/>
+          </a:fontRef>
+        </p:style>
+        <p:txBody>
+          <a:bodyPr wrap="square">
+            <a:spAutoFit/>
+          </a:bodyPr>
+          <a:lstStyle/>
+          <a:p>
+            <a:r>
+              <a:rPr lang="en-IN" b="1" dirty="0">
+                <a:solidFill>
+                  <a:srgbClr val="FF0000"/>
+                </a:solidFill>
+              </a:rPr>
+              <a:t>Hybrid </a:t>
+            </a:r>
+            <a:r>
+              <a:rPr lang="en-IN" b="1" dirty="0" smtClean="0">
+                <a:solidFill>
+                  <a:srgbClr val="FF0000"/>
+                </a:solidFill>
+              </a:rPr>
+              <a:t>Inheritance</a:t>
+            </a:r>
+          </a:p>
+          <a:p>
+            <a:pPr marL="898398" lvl="1" indent="-342900">
+              <a:buFont typeface="Arial" pitchFamily="34" charset="0"/>
+              <a:buChar char="•"/>
+            </a:pPr>
+            <a:r>
+              <a:rPr lang="en-US" dirty="0"/>
+              <a:t>Combines two or more types of inheritance</a:t>
+            </a:r>
+          </a:p>
+          <a:p>
+            <a:pPr marL="898398" lvl="1" indent="-342900">
+              <a:buFont typeface="Arial" pitchFamily="34" charset="0"/>
+              <a:buChar char="•"/>
+            </a:pPr>
+            <a:r>
+              <a:rPr lang="en-US" dirty="0"/>
+              <a:t>There is no particular syntax of hybrid inheritance.</a:t>
+            </a:r>
+            <a:endParaRPr lang="en-US" dirty="0"/>
+          </a:p>
+        </p:txBody>
+      </p:sp>
+      <p:sp>
+        <p:nvSpPr>
+          <p:cNvPr id="33" name="Rectangle 32"/>
+          <p:cNvSpPr/>
+          <p:nvPr/>
+        </p:nvSpPr>
+        <p:spPr>
+          <a:xfrm>
+            <a:off x="899741" y="2812592"/>
+            <a:ext cx="4104456" cy="1446550"/>
+          </a:xfrm>
+          <a:prstGeom prst="rect">
+            <a:avLst/>
+          </a:prstGeom>
+        </p:spPr>
+        <p:style>
+          <a:lnRef idx="2">
+            <a:schemeClr val="accent4"/>
+          </a:lnRef>
+          <a:fillRef idx="1">
+            <a:schemeClr val="lt1"/>
+          </a:fillRef>
+          <a:effectRef idx="0">
+            <a:schemeClr val="accent4"/>
+          </a:effectRef>
+          <a:fontRef idx="minor">
+            <a:schemeClr val="dk1"/>
+          </a:fontRef>
+        </p:style>
+        <p:txBody>
+          <a:bodyPr wrap="square">
+            <a:spAutoFit/>
+          </a:bodyPr>
+          <a:lstStyle/>
+          <a:p>
+            <a:r>
+              <a:rPr lang="en-US" b="1" dirty="0">
+                <a:solidFill>
+                  <a:srgbClr val="FF0000"/>
+                </a:solidFill>
+              </a:rPr>
+              <a:t>class A {};</a:t>
+            </a:r>
+          </a:p>
+          <a:p>
+            <a:r>
+              <a:rPr lang="en-US" b="1" dirty="0">
+                <a:solidFill>
+                  <a:srgbClr val="FF0000"/>
+                </a:solidFill>
+              </a:rPr>
+              <a:t>class B : </a:t>
+            </a:r>
+            <a:r>
+              <a:rPr lang="en-US" b="1" dirty="0" smtClean="0">
+                <a:solidFill>
+                  <a:srgbClr val="FF0000"/>
+                </a:solidFill>
+              </a:rPr>
+              <a:t>public </a:t>
+            </a:r>
+            <a:r>
+              <a:rPr lang="en-US" b="1" dirty="0">
+                <a:solidFill>
+                  <a:srgbClr val="FF0000"/>
+                </a:solidFill>
+              </a:rPr>
+              <a:t>A {};</a:t>
+            </a:r>
+          </a:p>
+          <a:p>
+            <a:r>
+              <a:rPr lang="en-US" b="1" dirty="0">
+                <a:solidFill>
+                  <a:srgbClr val="FF0000"/>
+                </a:solidFill>
+              </a:rPr>
+              <a:t>class C : </a:t>
+            </a:r>
+            <a:r>
+              <a:rPr lang="en-US" b="1" dirty="0" smtClean="0">
+                <a:solidFill>
+                  <a:srgbClr val="FF0000"/>
+                </a:solidFill>
+              </a:rPr>
+              <a:t>public </a:t>
+            </a:r>
+            <a:r>
+              <a:rPr lang="en-US" b="1" dirty="0">
+                <a:solidFill>
+                  <a:srgbClr val="FF0000"/>
+                </a:solidFill>
+              </a:rPr>
+              <a:t>A {};</a:t>
+            </a:r>
+          </a:p>
+          <a:p>
+            <a:r>
+              <a:rPr lang="en-US" b="1" dirty="0">
+                <a:solidFill>
+                  <a:srgbClr val="FF0000"/>
+                </a:solidFill>
+              </a:rPr>
+              <a:t>class D : public B, public C {};</a:t>
+            </a:r>
+          </a:p>
+        </p:txBody>
+      </p:sp>
+      <p:sp>
+        <p:nvSpPr>
+          <p:cNvPr id="34" name="Rectangle 33"/>
+          <p:cNvSpPr/>
+          <p:nvPr/>
+        </p:nvSpPr>
+        <p:spPr>
+          <a:xfrm>
+            <a:off x="755725" y="2379952"/>
+            <a:ext cx="6156325" cy="430887"/>
+          </a:xfrm>
+          <a:prstGeom prst="rect">
+            <a:avLst/>
+          </a:prstGeom>
+        </p:spPr>
+        <p:txBody>
+          <a:bodyPr>
+            <a:spAutoFit/>
+          </a:bodyPr>
+          <a:lstStyle/>
+          <a:p>
+            <a:r>
+              <a:rPr lang="en-US" b="1" dirty="0" smtClean="0"/>
+              <a:t>Example :</a:t>
+            </a:r>
+            <a:endParaRPr lang="en-US" b="1" dirty="0"/>
+          </a:p>
+        </p:txBody>
+      </p:sp>
+      <p:sp>
+        <p:nvSpPr>
+          <p:cNvPr id="35" name="AutoShape 2" descr="inheritence"/>
+          <p:cNvSpPr>
+            <a:spLocks noChangeAspect="1" noChangeArrowheads="1"/>
+          </p:cNvSpPr>
+          <p:nvPr/>
+        </p:nvSpPr>
+        <p:spPr bwMode="auto">
+          <a:xfrm>
+            <a:off x="155575" y="-144463"/>
+            <a:ext cx="304800" cy="304801"/>
+          </a:xfrm>
+          <a:prstGeom prst="rect">
+            <a:avLst/>
+          </a:prstGeom>
+          <a:noFill/>
+          <a:extLst>
+            <a:ext uri="{909E8E84-426E-40DD-AFC4-6F175D3DCCD1}">
+              <a14:hiddenFill xmlns:a14="http://schemas.microsoft.com/office/drawing/2010/main">
+                <a:solidFill>
+                  <a:srgbClr val="FFFFFF"/>
+                </a:solidFill>
+              </a14:hiddenFill>
+            </a:ext>
+          </a:extLst>
+        </p:spPr>
+        <p:txBody>
+          <a:bodyPr vert="horz" wrap="square" lIns="91440" tIns="45720" rIns="91440" bIns="45720" numCol="1" anchor="t" anchorCtr="0" compatLnSpc="1">
+            <a:prstTxWarp prst="textNoShape">
+              <a:avLst/>
+            </a:prstTxWarp>
+          </a:bodyPr>
+          <a:lstStyle/>
+          <a:p>
+            <a:endParaRPr lang="en-IN"/>
+          </a:p>
+        </p:txBody>
+      </p:sp>
+      <p:sp>
+        <p:nvSpPr>
+          <p:cNvPr id="36" name="AutoShape 4" descr="inheritence"/>
+          <p:cNvSpPr>
+            <a:spLocks noChangeAspect="1" noChangeArrowheads="1"/>
+          </p:cNvSpPr>
+          <p:nvPr/>
+        </p:nvSpPr>
+        <p:spPr bwMode="auto">
+          <a:xfrm>
+            <a:off x="307975" y="7937"/>
+            <a:ext cx="304800" cy="304801"/>
+          </a:xfrm>
+          <a:prstGeom prst="rect">
+            <a:avLst/>
+          </a:prstGeom>
+          <a:noFill/>
+          <a:extLst>
+            <a:ext uri="{909E8E84-426E-40DD-AFC4-6F175D3DCCD1}">
+              <a14:hiddenFill xmlns:a14="http://schemas.microsoft.com/office/drawing/2010/main">
+                <a:solidFill>
+                  <a:srgbClr val="FFFFFF"/>
+                </a:solidFill>
+              </a14:hiddenFill>
+            </a:ext>
+          </a:extLst>
+        </p:spPr>
+        <p:txBody>
+          <a:bodyPr vert="horz" wrap="square" lIns="91440" tIns="45720" rIns="91440" bIns="45720" numCol="1" anchor="t" anchorCtr="0" compatLnSpc="1">
+            <a:prstTxWarp prst="textNoShape">
+              <a:avLst/>
+            </a:prstTxWarp>
+          </a:bodyPr>
+          <a:lstStyle/>
+          <a:p>
+            <a:endParaRPr lang="en-IN"/>
+          </a:p>
+        </p:txBody>
+      </p:sp>
+      <p:sp>
+        <p:nvSpPr>
+          <p:cNvPr id="37" name="AutoShape 6" descr="inheritence"/>
+          <p:cNvSpPr>
+            <a:spLocks noChangeAspect="1" noChangeArrowheads="1"/>
+          </p:cNvSpPr>
+          <p:nvPr/>
+        </p:nvSpPr>
+        <p:spPr bwMode="auto">
+          <a:xfrm>
+            <a:off x="460375" y="160337"/>
+            <a:ext cx="304800" cy="304801"/>
+          </a:xfrm>
+          <a:prstGeom prst="rect">
+            <a:avLst/>
+          </a:prstGeom>
+          <a:noFill/>
+          <a:extLst>
+            <a:ext uri="{909E8E84-426E-40DD-AFC4-6F175D3DCCD1}">
+              <a14:hiddenFill xmlns:a14="http://schemas.microsoft.com/office/drawing/2010/main">
+                <a:solidFill>
+                  <a:srgbClr val="FFFFFF"/>
+                </a:solidFill>
+              </a14:hiddenFill>
+            </a:ext>
+          </a:extLst>
+        </p:spPr>
+        <p:txBody>
+          <a:bodyPr vert="horz" wrap="square" lIns="91440" tIns="45720" rIns="91440" bIns="45720" numCol="1" anchor="t" anchorCtr="0" compatLnSpc="1">
+            <a:prstTxWarp prst="textNoShape">
+              <a:avLst/>
+            </a:prstTxWarp>
+          </a:bodyPr>
+          <a:lstStyle/>
+          <a:p>
+            <a:endParaRPr lang="en-IN"/>
+          </a:p>
+        </p:txBody>
+      </p:sp>
+      <p:sp>
+        <p:nvSpPr>
+          <p:cNvPr id="38" name="TextBox 37"/>
+          <p:cNvSpPr txBox="1"/>
+          <p:nvPr/>
+        </p:nvSpPr>
+        <p:spPr>
+          <a:xfrm>
+            <a:off x="8316565" y="2376314"/>
+            <a:ext cx="1595433" cy="769441"/>
+          </a:xfrm>
+          <a:prstGeom prst="rect">
+            <a:avLst/>
+          </a:prstGeom>
+        </p:spPr>
+        <p:style>
+          <a:lnRef idx="0">
+            <a:schemeClr val="accent2"/>
+          </a:lnRef>
+          <a:fillRef idx="3">
+            <a:schemeClr val="accent2"/>
+          </a:fillRef>
+          <a:effectRef idx="3">
+            <a:schemeClr val="accent2"/>
+          </a:effectRef>
+          <a:fontRef idx="minor">
+            <a:schemeClr val="lt1"/>
+          </a:fontRef>
+        </p:style>
+        <p:txBody>
+          <a:bodyPr wrap="square" rtlCol="0">
+            <a:spAutoFit/>
+          </a:bodyPr>
+          <a:lstStyle/>
+          <a:p>
+            <a:pPr algn="ctr"/>
+            <a:r>
+              <a:rPr lang="en-US" sz="4400" b="1" dirty="0" smtClean="0"/>
+              <a:t>A</a:t>
+            </a:r>
+            <a:endParaRPr lang="en-IN" sz="4400" b="1" dirty="0"/>
+          </a:p>
+        </p:txBody>
+      </p:sp>
+      <p:sp>
+        <p:nvSpPr>
+          <p:cNvPr id="39" name="TextBox 38"/>
+          <p:cNvSpPr txBox="1"/>
+          <p:nvPr/>
+        </p:nvSpPr>
+        <p:spPr>
+          <a:xfrm>
+            <a:off x="9633484" y="4288755"/>
+            <a:ext cx="1595432" cy="769441"/>
+          </a:xfrm>
+          <a:prstGeom prst="rect">
+            <a:avLst/>
+          </a:prstGeom>
+        </p:spPr>
+        <p:style>
+          <a:lnRef idx="0">
+            <a:schemeClr val="accent4"/>
+          </a:lnRef>
+          <a:fillRef idx="3">
+            <a:schemeClr val="accent4"/>
+          </a:fillRef>
+          <a:effectRef idx="3">
+            <a:schemeClr val="accent4"/>
+          </a:effectRef>
+          <a:fontRef idx="minor">
+            <a:schemeClr val="lt1"/>
+          </a:fontRef>
+        </p:style>
+        <p:txBody>
+          <a:bodyPr wrap="square" rtlCol="0">
+            <a:spAutoFit/>
+          </a:bodyPr>
+          <a:lstStyle/>
+          <a:p>
+            <a:pPr algn="ctr"/>
+            <a:r>
+              <a:rPr lang="en-US" sz="4400" b="1" dirty="0" smtClean="0"/>
+              <a:t>C</a:t>
+            </a:r>
+            <a:endParaRPr lang="en-IN" sz="4400" b="1" dirty="0"/>
+          </a:p>
+        </p:txBody>
+      </p:sp>
+      <p:cxnSp>
+        <p:nvCxnSpPr>
+          <p:cNvPr id="40" name="Straight Arrow Connector 39"/>
+          <p:cNvCxnSpPr>
+            <a:stCxn id="38" idx="2"/>
+          </p:cNvCxnSpPr>
+          <p:nvPr/>
+        </p:nvCxnSpPr>
+        <p:spPr>
+          <a:xfrm flipH="1">
+            <a:off x="7902881" y="3145755"/>
+            <a:ext cx="1211401" cy="1113387"/>
+          </a:xfrm>
+          <a:prstGeom prst="straightConnector1">
+            <a:avLst/>
+          </a:prstGeom>
+          <a:ln>
+            <a:tailEnd type="arrow"/>
+          </a:ln>
+        </p:spPr>
+        <p:style>
+          <a:lnRef idx="3">
+            <a:schemeClr val="dk1"/>
+          </a:lnRef>
+          <a:fillRef idx="0">
+            <a:schemeClr val="dk1"/>
+          </a:fillRef>
+          <a:effectRef idx="2">
+            <a:schemeClr val="dk1"/>
+          </a:effectRef>
+          <a:fontRef idx="minor">
+            <a:schemeClr val="tx1"/>
+          </a:fontRef>
+        </p:style>
+      </p:cxnSp>
+      <p:sp>
+        <p:nvSpPr>
+          <p:cNvPr id="41" name="TextBox 40"/>
+          <p:cNvSpPr txBox="1"/>
+          <p:nvPr/>
+        </p:nvSpPr>
+        <p:spPr>
+          <a:xfrm>
+            <a:off x="8673155" y="1886330"/>
+            <a:ext cx="1278216" cy="430887"/>
+          </a:xfrm>
+          <a:prstGeom prst="rect">
+            <a:avLst/>
+          </a:prstGeom>
+          <a:noFill/>
+        </p:spPr>
+        <p:txBody>
+          <a:bodyPr wrap="square" rtlCol="0">
+            <a:spAutoFit/>
+          </a:bodyPr>
+          <a:lstStyle/>
+          <a:p>
+            <a:r>
+              <a:rPr lang="en-US" b="1" dirty="0" smtClean="0"/>
+              <a:t>(Base)</a:t>
+            </a:r>
+            <a:endParaRPr lang="en-IN" b="1" dirty="0"/>
+          </a:p>
+        </p:txBody>
+      </p:sp>
+      <p:sp>
+        <p:nvSpPr>
+          <p:cNvPr id="42" name="TextBox 41"/>
+          <p:cNvSpPr txBox="1"/>
+          <p:nvPr/>
+        </p:nvSpPr>
+        <p:spPr>
+          <a:xfrm>
+            <a:off x="7095879" y="4304536"/>
+            <a:ext cx="1652734" cy="769441"/>
+          </a:xfrm>
+          <a:prstGeom prst="rect">
+            <a:avLst/>
+          </a:prstGeom>
+        </p:spPr>
+        <p:style>
+          <a:lnRef idx="0">
+            <a:schemeClr val="accent3"/>
+          </a:lnRef>
+          <a:fillRef idx="3">
+            <a:schemeClr val="accent3"/>
+          </a:fillRef>
+          <a:effectRef idx="3">
+            <a:schemeClr val="accent3"/>
+          </a:effectRef>
+          <a:fontRef idx="minor">
+            <a:schemeClr val="lt1"/>
+          </a:fontRef>
+        </p:style>
+        <p:txBody>
+          <a:bodyPr wrap="square" rtlCol="0">
+            <a:spAutoFit/>
+          </a:bodyPr>
+          <a:lstStyle/>
+          <a:p>
+            <a:pPr algn="ctr"/>
+            <a:r>
+              <a:rPr lang="en-US" sz="4400" b="1" dirty="0" smtClean="0"/>
+              <a:t>B</a:t>
+            </a:r>
+            <a:endParaRPr lang="en-IN" sz="4400" b="1" dirty="0"/>
+          </a:p>
+        </p:txBody>
+      </p:sp>
+      <p:cxnSp>
+        <p:nvCxnSpPr>
+          <p:cNvPr id="43" name="Straight Arrow Connector 42"/>
+          <p:cNvCxnSpPr>
+            <a:endCxn id="45" idx="0"/>
+          </p:cNvCxnSpPr>
+          <p:nvPr/>
+        </p:nvCxnSpPr>
+        <p:spPr>
+          <a:xfrm>
+            <a:off x="7902881" y="5073977"/>
+            <a:ext cx="1344160" cy="1074949"/>
+          </a:xfrm>
+          <a:prstGeom prst="straightConnector1">
+            <a:avLst/>
+          </a:prstGeom>
+          <a:ln>
+            <a:tailEnd type="arrow"/>
+          </a:ln>
+        </p:spPr>
+        <p:style>
+          <a:lnRef idx="3">
+            <a:schemeClr val="dk1"/>
+          </a:lnRef>
+          <a:fillRef idx="0">
+            <a:schemeClr val="dk1"/>
+          </a:fillRef>
+          <a:effectRef idx="2">
+            <a:schemeClr val="dk1"/>
+          </a:effectRef>
+          <a:fontRef idx="minor">
+            <a:schemeClr val="tx1"/>
+          </a:fontRef>
+        </p:style>
+      </p:cxnSp>
+      <p:sp>
+        <p:nvSpPr>
+          <p:cNvPr id="45" name="TextBox 44"/>
+          <p:cNvSpPr txBox="1"/>
+          <p:nvPr/>
+        </p:nvSpPr>
+        <p:spPr>
+          <a:xfrm>
+            <a:off x="8449325" y="6148926"/>
+            <a:ext cx="1595432" cy="769441"/>
+          </a:xfrm>
+          <a:prstGeom prst="rect">
+            <a:avLst/>
+          </a:prstGeom>
+        </p:spPr>
+        <p:style>
+          <a:lnRef idx="0">
+            <a:schemeClr val="accent1"/>
+          </a:lnRef>
+          <a:fillRef idx="3">
+            <a:schemeClr val="accent1"/>
+          </a:fillRef>
+          <a:effectRef idx="3">
+            <a:schemeClr val="accent1"/>
+          </a:effectRef>
+          <a:fontRef idx="minor">
+            <a:schemeClr val="lt1"/>
+          </a:fontRef>
+        </p:style>
+        <p:txBody>
+          <a:bodyPr wrap="square" rtlCol="0">
+            <a:spAutoFit/>
+          </a:bodyPr>
+          <a:lstStyle/>
+          <a:p>
+            <a:pPr algn="ctr"/>
+            <a:r>
+              <a:rPr lang="en-US" sz="4400" b="1" dirty="0" smtClean="0"/>
+              <a:t>D</a:t>
+            </a:r>
+            <a:endParaRPr lang="en-IN" sz="4400" b="1" dirty="0"/>
+          </a:p>
+        </p:txBody>
+      </p:sp>
+      <p:cxnSp>
+        <p:nvCxnSpPr>
+          <p:cNvPr id="48" name="Straight Arrow Connector 47"/>
+          <p:cNvCxnSpPr>
+            <a:stCxn id="38" idx="2"/>
+            <a:endCxn id="39" idx="0"/>
+          </p:cNvCxnSpPr>
+          <p:nvPr/>
+        </p:nvCxnSpPr>
+        <p:spPr>
+          <a:xfrm>
+            <a:off x="9114282" y="3145755"/>
+            <a:ext cx="1316918" cy="1143000"/>
+          </a:xfrm>
+          <a:prstGeom prst="straightConnector1">
+            <a:avLst/>
+          </a:prstGeom>
+          <a:ln>
+            <a:tailEnd type="arrow"/>
+          </a:ln>
+        </p:spPr>
+        <p:style>
+          <a:lnRef idx="3">
+            <a:schemeClr val="dk1"/>
+          </a:lnRef>
+          <a:fillRef idx="0">
+            <a:schemeClr val="dk1"/>
+          </a:fillRef>
+          <a:effectRef idx="2">
+            <a:schemeClr val="dk1"/>
+          </a:effectRef>
+          <a:fontRef idx="minor">
+            <a:schemeClr val="tx1"/>
+          </a:fontRef>
+        </p:style>
+      </p:cxnSp>
+      <p:cxnSp>
+        <p:nvCxnSpPr>
+          <p:cNvPr id="23" name="Straight Arrow Connector 22"/>
+          <p:cNvCxnSpPr>
+            <a:stCxn id="39" idx="2"/>
+            <a:endCxn id="45" idx="0"/>
+          </p:cNvCxnSpPr>
+          <p:nvPr/>
+        </p:nvCxnSpPr>
+        <p:spPr>
+          <a:xfrm flipH="1">
+            <a:off x="9247041" y="5058196"/>
+            <a:ext cx="1184159" cy="1090730"/>
+          </a:xfrm>
+          <a:prstGeom prst="straightConnector1">
+            <a:avLst/>
+          </a:prstGeom>
+          <a:ln>
+            <a:tailEnd type="arrow"/>
+          </a:ln>
+        </p:spPr>
+        <p:style>
+          <a:lnRef idx="3">
+            <a:schemeClr val="dk1"/>
+          </a:lnRef>
+          <a:fillRef idx="0">
+            <a:schemeClr val="dk1"/>
+          </a:fillRef>
+          <a:effectRef idx="2">
+            <a:schemeClr val="dk1"/>
+          </a:effectRef>
+          <a:fontRef idx="minor">
+            <a:schemeClr val="tx1"/>
+          </a:fontRef>
+        </p:style>
+      </p:cxnSp>
+    </p:spTree>
+    <p:extLst>
+      <p:ext uri="{BB962C8B-B14F-4D97-AF65-F5344CB8AC3E}">
+        <p14:creationId xmlns:p14="http://schemas.microsoft.com/office/powerpoint/2010/main" val="1118731913"/>
+      </p:ext>
+    </p:extLst>
+  </p:cSld>
+  <p:clrMapOvr>
+    <a:masterClrMapping/>
+  </p:clrMapOvr>
+  <p:timing>
+    <p:tnLst>
+      <p:par>
+        <p:cTn id="1" dur="indefinite" restart="never" nodeType="tmRoot"/>
+      </p:par>
+    </p:tnLst>
+  </p:timing>
+</p:sld>
+</file>
+
+<file path=ppt/slides/slide27.xml><?xml version="1.0" encoding="utf-8"?>
+<p:sld xmlns:a="http://schemas.openxmlformats.org/drawingml/2006/main" xmlns:r="http://schemas.openxmlformats.org/officeDocument/2006/relationships" xmlns:p="http://schemas.openxmlformats.org/presentationml/2006/main">
+  <p:cSld>
+    <p:spTree>
+      <p:nvGrpSpPr>
+        <p:cNvPr id="1" name=""/>
+        <p:cNvGrpSpPr/>
+        <p:nvPr/>
+      </p:nvGrpSpPr>
+      <p:grpSpPr>
+        <a:xfrm>
+          <a:off x="0" y="0"/>
+          <a:ext cx="0" cy="0"/>
+          <a:chOff x="0" y="0"/>
+          <a:chExt cx="0" cy="0"/>
+        </a:xfrm>
+      </p:grpSpPr>
+      <p:pic>
+        <p:nvPicPr>
+          <p:cNvPr id="4" name="Picture 3"/>
+          <p:cNvPicPr>
+            <a:picLocks noChangeAspect="1"/>
+          </p:cNvPicPr>
+          <p:nvPr/>
+        </p:nvPicPr>
+        <p:blipFill>
+          <a:blip r:embed="rId2" cstate="print">
+            <a:extLst>
+              <a:ext uri="{28A0092B-C50C-407E-A947-70E740481C1C}">
+                <a14:useLocalDpi xmlns:a14="http://schemas.microsoft.com/office/drawing/2010/main" val="0"/>
+              </a:ext>
+            </a:extLst>
+          </a:blip>
+          <a:stretch>
+            <a:fillRect/>
+          </a:stretch>
+        </p:blipFill>
+        <p:spPr>
+          <a:xfrm>
+            <a:off x="4428133" y="720129"/>
+            <a:ext cx="3548672" cy="2415135"/>
+          </a:xfrm>
+          <a:prstGeom prst="rect">
+            <a:avLst/>
+          </a:prstGeom>
+        </p:spPr>
+      </p:pic>
+      <p:sp>
+        <p:nvSpPr>
+          <p:cNvPr id="7" name="TextBox 6"/>
+          <p:cNvSpPr txBox="1"/>
+          <p:nvPr/>
+        </p:nvSpPr>
+        <p:spPr>
+          <a:xfrm>
+            <a:off x="1680906" y="2808362"/>
+            <a:ext cx="9344750" cy="2646878"/>
+          </a:xfrm>
+          <a:prstGeom prst="rect">
+            <a:avLst/>
+          </a:prstGeom>
+          <a:noFill/>
+        </p:spPr>
+        <p:txBody>
+          <a:bodyPr wrap="square" rtlCol="0">
+            <a:spAutoFit/>
+          </a:bodyPr>
+          <a:lstStyle/>
+          <a:p>
+            <a:r>
+              <a:rPr lang="en-US" sz="16600" b="1" dirty="0" smtClean="0">
+                <a:ln w="10541" cmpd="sng">
+                  <a:solidFill>
+                    <a:schemeClr val="accent1">
+                      <a:shade val="88000"/>
+                      <a:satMod val="110000"/>
+                    </a:schemeClr>
+                  </a:solidFill>
+                  <a:prstDash val="solid"/>
+                </a:ln>
+                <a:gradFill>
+                  <a:gsLst>
+                    <a:gs pos="0">
+                      <a:schemeClr val="accent1">
+                        <a:tint val="40000"/>
+                        <a:satMod val="250000"/>
+                      </a:schemeClr>
+                    </a:gs>
+                    <a:gs pos="9000">
+                      <a:schemeClr val="accent1">
+                        <a:tint val="52000"/>
+                        <a:satMod val="300000"/>
+                      </a:schemeClr>
+                    </a:gs>
+                    <a:gs pos="50000">
+                      <a:schemeClr val="accent1">
+                        <a:shade val="20000"/>
+                        <a:satMod val="300000"/>
+                      </a:schemeClr>
+                    </a:gs>
+                    <a:gs pos="79000">
+                      <a:schemeClr val="accent1">
+                        <a:tint val="52000"/>
+                        <a:satMod val="300000"/>
+                      </a:schemeClr>
+                    </a:gs>
+                    <a:gs pos="100000">
+                      <a:schemeClr val="accent1">
+                        <a:tint val="40000"/>
+                        <a:satMod val="250000"/>
+                      </a:schemeClr>
+                    </a:gs>
+                  </a:gsLst>
+                  <a:lin ang="5400000"/>
+                </a:gradFill>
+              </a:rPr>
+              <a:t>Thank You</a:t>
+            </a:r>
+            <a:endParaRPr lang="en-IN" sz="16600" b="1" dirty="0">
+              <a:ln w="10541" cmpd="sng">
+                <a:solidFill>
+                  <a:schemeClr val="accent1">
+                    <a:shade val="88000"/>
+                    <a:satMod val="110000"/>
+                  </a:schemeClr>
+                </a:solidFill>
+                <a:prstDash val="solid"/>
+              </a:ln>
+              <a:gradFill>
+                <a:gsLst>
+                  <a:gs pos="0">
+                    <a:schemeClr val="accent1">
+                      <a:tint val="40000"/>
+                      <a:satMod val="250000"/>
+                    </a:schemeClr>
+                  </a:gs>
+                  <a:gs pos="9000">
+                    <a:schemeClr val="accent1">
+                      <a:tint val="52000"/>
+                      <a:satMod val="300000"/>
+                    </a:schemeClr>
+                  </a:gs>
+                  <a:gs pos="50000">
+                    <a:schemeClr val="accent1">
+                      <a:shade val="20000"/>
+                      <a:satMod val="300000"/>
+                    </a:schemeClr>
+                  </a:gs>
+                  <a:gs pos="79000">
+                    <a:schemeClr val="accent1">
+                      <a:tint val="52000"/>
+                      <a:satMod val="300000"/>
+                    </a:schemeClr>
+                  </a:gs>
+                  <a:gs pos="100000">
+                    <a:schemeClr val="accent1">
+                      <a:tint val="40000"/>
+                      <a:satMod val="250000"/>
+                    </a:schemeClr>
+                  </a:gs>
+                </a:gsLst>
+                <a:lin ang="5400000"/>
+              </a:gradFill>
+            </a:endParaRPr>
+          </a:p>
+        </p:txBody>
+      </p:sp>
+    </p:spTree>
+    <p:extLst>
+      <p:ext uri="{BB962C8B-B14F-4D97-AF65-F5344CB8AC3E}">
+        <p14:creationId xmlns:p14="http://schemas.microsoft.com/office/powerpoint/2010/main" val="4088372467"/>
       </p:ext>
     </p:extLst>
   </p:cSld>
@@ -11092,7 +16343,7 @@
         <p:spPr>
           <a:xfrm>
             <a:off x="755725" y="3384426"/>
-            <a:ext cx="10945216" cy="4154984"/>
+            <a:ext cx="10945216" cy="3477875"/>
           </a:xfrm>
           <a:prstGeom prst="rect">
             <a:avLst/>
@@ -11193,18 +16444,12 @@
           <a:p>
             <a:r>
               <a:rPr lang="en-US" dirty="0"/>
-              <a:t>Creates a new object by copying values from an existing object.</a:t>
-            </a:r>
-          </a:p>
-          <a:p>
-            <a:pPr lvl="1"/>
-            <a:endParaRPr lang="en-US" dirty="0"/>
-          </a:p>
-          <a:p>
-            <a:pPr marL="898398" lvl="1" indent="-342900">
-              <a:buFont typeface="Arial" pitchFamily="34" charset="0"/>
-              <a:buChar char="•"/>
-            </a:pPr>
+              <a:t>Creates a new object by copying values from an existing object</a:t>
+            </a:r>
+            <a:r>
+              <a:rPr lang="en-US" dirty="0" smtClean="0"/>
+              <a:t>.</a:t>
+            </a:r>
             <a:endParaRPr lang="en-US" dirty="0"/>
           </a:p>
         </p:txBody>
